--- a/Class Work 2.pptx
+++ b/Class Work 2.pptx
@@ -109,6 +109,11 @@
       </a:defRPr>
     </a:lvl9pPr>
   </p:defaultTextStyle>
+  <p:extLst>
+    <p:ext uri="{EFAFB233-063F-42B5-8137-9DF3F51BA10A}">
+      <p15:sldGuideLst xmlns:p15="http://schemas.microsoft.com/office/powerpoint/2012/main"/>
+    </p:ext>
+  </p:extLst>
 </p:presentation>
 </file>
 
@@ -3057,7 +3062,7 @@
         </p:nvSpPr>
         <p:spPr>
           <a:xfrm>
-            <a:off x="1524000" y="0"/>
+            <a:off x="220507" y="-194209"/>
             <a:ext cx="9144000" cy="914400"/>
           </a:xfrm>
         </p:spPr>
@@ -3086,7 +3091,7 @@
         </p:nvSpPr>
         <p:spPr>
           <a:xfrm>
-            <a:off x="10788" y="914400"/>
+            <a:off x="53273" y="841570"/>
             <a:ext cx="5111469" cy="5943600"/>
           </a:xfrm>
         </p:spPr>
@@ -3139,7 +3144,7 @@
         <p:spPr>
           <a:xfrm>
             <a:off x="7315199" y="914400"/>
-            <a:ext cx="1432291" cy="542166"/>
+            <a:ext cx="1432291" cy="372234"/>
           </a:xfrm>
           <a:prstGeom prst="flowChartTerminator">
             <a:avLst/>
@@ -3169,6 +3174,635 @@
             <a:r>
               <a:rPr lang="en-US" dirty="0" smtClean="0"/>
               <a:t>START</a:t>
+            </a:r>
+            <a:endParaRPr lang="en-US" dirty="0"/>
+          </a:p>
+        </p:txBody>
+      </p:sp>
+      <p:sp>
+        <p:nvSpPr>
+          <p:cNvPr id="5" name="Flowchart: Data 4"/>
+          <p:cNvSpPr/>
+          <p:nvPr/>
+        </p:nvSpPr>
+        <p:spPr>
+          <a:xfrm>
+            <a:off x="7290922" y="1549624"/>
+            <a:ext cx="1480843" cy="558351"/>
+          </a:xfrm>
+          <a:prstGeom prst="flowChartInputOutput">
+            <a:avLst/>
+          </a:prstGeom>
+        </p:spPr>
+        <p:style>
+          <a:lnRef idx="2">
+            <a:schemeClr val="accent1">
+              <a:shade val="50000"/>
+            </a:schemeClr>
+          </a:lnRef>
+          <a:fillRef idx="1">
+            <a:schemeClr val="accent1"/>
+          </a:fillRef>
+          <a:effectRef idx="0">
+            <a:schemeClr val="accent1"/>
+          </a:effectRef>
+          <a:fontRef idx="minor">
+            <a:schemeClr val="lt1"/>
+          </a:fontRef>
+        </p:style>
+        <p:txBody>
+          <a:bodyPr rtlCol="0" anchor="ctr"/>
+          <a:lstStyle/>
+          <a:p>
+            <a:pPr algn="ctr"/>
+            <a:r>
+              <a:rPr lang="en-US" dirty="0" smtClean="0"/>
+              <a:t>INPUT A</a:t>
+            </a:r>
+            <a:endParaRPr lang="en-US" dirty="0"/>
+          </a:p>
+        </p:txBody>
+      </p:sp>
+      <p:cxnSp>
+        <p:nvCxnSpPr>
+          <p:cNvPr id="7" name="Straight Arrow Connector 6"/>
+          <p:cNvCxnSpPr>
+            <a:stCxn id="4" idx="2"/>
+            <a:endCxn id="5" idx="1"/>
+          </p:cNvCxnSpPr>
+          <p:nvPr/>
+        </p:nvCxnSpPr>
+        <p:spPr>
+          <a:xfrm flipH="1">
+            <a:off x="8031344" y="1286634"/>
+            <a:ext cx="1" cy="262990"/>
+          </a:xfrm>
+          <a:prstGeom prst="straightConnector1">
+            <a:avLst/>
+          </a:prstGeom>
+          <a:ln>
+            <a:tailEnd type="triangle"/>
+          </a:ln>
+        </p:spPr>
+        <p:style>
+          <a:lnRef idx="1">
+            <a:schemeClr val="dk1"/>
+          </a:lnRef>
+          <a:fillRef idx="0">
+            <a:schemeClr val="dk1"/>
+          </a:fillRef>
+          <a:effectRef idx="0">
+            <a:schemeClr val="dk1"/>
+          </a:effectRef>
+          <a:fontRef idx="minor">
+            <a:schemeClr val="tx1"/>
+          </a:fontRef>
+        </p:style>
+      </p:cxnSp>
+      <p:cxnSp>
+        <p:nvCxnSpPr>
+          <p:cNvPr id="10" name="Straight Arrow Connector 9"/>
+          <p:cNvCxnSpPr>
+            <a:stCxn id="5" idx="4"/>
+          </p:cNvCxnSpPr>
+          <p:nvPr/>
+        </p:nvCxnSpPr>
+        <p:spPr>
+          <a:xfrm>
+            <a:off x="8031344" y="2107975"/>
+            <a:ext cx="0" cy="392464"/>
+          </a:xfrm>
+          <a:prstGeom prst="straightConnector1">
+            <a:avLst/>
+          </a:prstGeom>
+          <a:ln>
+            <a:tailEnd type="triangle"/>
+          </a:ln>
+        </p:spPr>
+        <p:style>
+          <a:lnRef idx="1">
+            <a:schemeClr val="dk1"/>
+          </a:lnRef>
+          <a:fillRef idx="0">
+            <a:schemeClr val="dk1"/>
+          </a:fillRef>
+          <a:effectRef idx="0">
+            <a:schemeClr val="dk1"/>
+          </a:effectRef>
+          <a:fontRef idx="minor">
+            <a:schemeClr val="tx1"/>
+          </a:fontRef>
+        </p:style>
+      </p:cxnSp>
+      <p:sp>
+        <p:nvSpPr>
+          <p:cNvPr id="11" name="Flowchart: Decision 10"/>
+          <p:cNvSpPr/>
+          <p:nvPr/>
+        </p:nvSpPr>
+        <p:spPr>
+          <a:xfrm>
+            <a:off x="7052207" y="2520668"/>
+            <a:ext cx="1958272" cy="724238"/>
+          </a:xfrm>
+          <a:prstGeom prst="flowChartDecision">
+            <a:avLst/>
+          </a:prstGeom>
+        </p:spPr>
+        <p:style>
+          <a:lnRef idx="2">
+            <a:schemeClr val="accent1">
+              <a:shade val="50000"/>
+            </a:schemeClr>
+          </a:lnRef>
+          <a:fillRef idx="1">
+            <a:schemeClr val="accent1"/>
+          </a:fillRef>
+          <a:effectRef idx="0">
+            <a:schemeClr val="accent1"/>
+          </a:effectRef>
+          <a:fontRef idx="minor">
+            <a:schemeClr val="lt1"/>
+          </a:fontRef>
+        </p:style>
+        <p:txBody>
+          <a:bodyPr rtlCol="0" anchor="ctr"/>
+          <a:lstStyle/>
+          <a:p>
+            <a:pPr algn="ctr"/>
+            <a:r>
+              <a:rPr lang="en-US" dirty="0" smtClean="0"/>
+              <a:t>IS A%2=0</a:t>
+            </a:r>
+            <a:endParaRPr lang="en-US" dirty="0"/>
+          </a:p>
+        </p:txBody>
+      </p:sp>
+      <p:cxnSp>
+        <p:nvCxnSpPr>
+          <p:cNvPr id="13" name="Straight Arrow Connector 12"/>
+          <p:cNvCxnSpPr>
+            <a:stCxn id="11" idx="1"/>
+          </p:cNvCxnSpPr>
+          <p:nvPr/>
+        </p:nvCxnSpPr>
+        <p:spPr>
+          <a:xfrm flipH="1">
+            <a:off x="6376524" y="2882787"/>
+            <a:ext cx="675683" cy="22254"/>
+          </a:xfrm>
+          <a:prstGeom prst="straightConnector1">
+            <a:avLst/>
+          </a:prstGeom>
+          <a:ln>
+            <a:tailEnd type="triangle"/>
+          </a:ln>
+        </p:spPr>
+        <p:style>
+          <a:lnRef idx="1">
+            <a:schemeClr val="dk1"/>
+          </a:lnRef>
+          <a:fillRef idx="0">
+            <a:schemeClr val="dk1"/>
+          </a:fillRef>
+          <a:effectRef idx="0">
+            <a:schemeClr val="dk1"/>
+          </a:effectRef>
+          <a:fontRef idx="minor">
+            <a:schemeClr val="tx1"/>
+          </a:fontRef>
+        </p:style>
+      </p:cxnSp>
+      <p:cxnSp>
+        <p:nvCxnSpPr>
+          <p:cNvPr id="15" name="Straight Arrow Connector 14"/>
+          <p:cNvCxnSpPr/>
+          <p:nvPr/>
+        </p:nvCxnSpPr>
+        <p:spPr>
+          <a:xfrm>
+            <a:off x="6400800" y="2888857"/>
+            <a:ext cx="32368" cy="768742"/>
+          </a:xfrm>
+          <a:prstGeom prst="straightConnector1">
+            <a:avLst/>
+          </a:prstGeom>
+          <a:ln>
+            <a:tailEnd type="triangle"/>
+          </a:ln>
+        </p:spPr>
+        <p:style>
+          <a:lnRef idx="1">
+            <a:schemeClr val="dk1"/>
+          </a:lnRef>
+          <a:fillRef idx="0">
+            <a:schemeClr val="dk1"/>
+          </a:fillRef>
+          <a:effectRef idx="0">
+            <a:schemeClr val="dk1"/>
+          </a:effectRef>
+          <a:fontRef idx="minor">
+            <a:schemeClr val="tx1"/>
+          </a:fontRef>
+        </p:style>
+      </p:cxnSp>
+      <p:sp>
+        <p:nvSpPr>
+          <p:cNvPr id="16" name="Flowchart: Display 15"/>
+          <p:cNvSpPr/>
+          <p:nvPr/>
+        </p:nvSpPr>
+        <p:spPr>
+          <a:xfrm>
+            <a:off x="5551136" y="3657599"/>
+            <a:ext cx="1739786" cy="566443"/>
+          </a:xfrm>
+          <a:prstGeom prst="flowChartDisplay">
+            <a:avLst/>
+          </a:prstGeom>
+        </p:spPr>
+        <p:style>
+          <a:lnRef idx="2">
+            <a:schemeClr val="accent1">
+              <a:shade val="50000"/>
+            </a:schemeClr>
+          </a:lnRef>
+          <a:fillRef idx="1">
+            <a:schemeClr val="accent1"/>
+          </a:fillRef>
+          <a:effectRef idx="0">
+            <a:schemeClr val="accent1"/>
+          </a:effectRef>
+          <a:fontRef idx="minor">
+            <a:schemeClr val="lt1"/>
+          </a:fontRef>
+        </p:style>
+        <p:txBody>
+          <a:bodyPr rtlCol="0" anchor="ctr"/>
+          <a:lstStyle/>
+          <a:p>
+            <a:pPr algn="ctr"/>
+            <a:r>
+              <a:rPr lang="en-US" dirty="0" smtClean="0"/>
+              <a:t>PRINT ITS EVEN</a:t>
+            </a:r>
+            <a:endParaRPr lang="en-US" dirty="0"/>
+          </a:p>
+        </p:txBody>
+      </p:sp>
+      <p:sp>
+        <p:nvSpPr>
+          <p:cNvPr id="17" name="Flowchart: Display 16"/>
+          <p:cNvSpPr/>
+          <p:nvPr/>
+        </p:nvSpPr>
+        <p:spPr>
+          <a:xfrm>
+            <a:off x="8844593" y="3657598"/>
+            <a:ext cx="1739786" cy="566443"/>
+          </a:xfrm>
+          <a:prstGeom prst="flowChartDisplay">
+            <a:avLst/>
+          </a:prstGeom>
+        </p:spPr>
+        <p:style>
+          <a:lnRef idx="2">
+            <a:schemeClr val="accent1">
+              <a:shade val="50000"/>
+            </a:schemeClr>
+          </a:lnRef>
+          <a:fillRef idx="1">
+            <a:schemeClr val="accent1"/>
+          </a:fillRef>
+          <a:effectRef idx="0">
+            <a:schemeClr val="accent1"/>
+          </a:effectRef>
+          <a:fontRef idx="minor">
+            <a:schemeClr val="lt1"/>
+          </a:fontRef>
+        </p:style>
+        <p:txBody>
+          <a:bodyPr rtlCol="0" anchor="ctr"/>
+          <a:lstStyle/>
+          <a:p>
+            <a:pPr algn="ctr"/>
+            <a:r>
+              <a:rPr lang="en-US" dirty="0" smtClean="0"/>
+              <a:t>PRINT ITS EVEN</a:t>
+            </a:r>
+            <a:endParaRPr lang="en-US" dirty="0"/>
+          </a:p>
+        </p:txBody>
+      </p:sp>
+      <p:cxnSp>
+        <p:nvCxnSpPr>
+          <p:cNvPr id="21" name="Straight Arrow Connector 20"/>
+          <p:cNvCxnSpPr>
+            <a:stCxn id="11" idx="3"/>
+          </p:cNvCxnSpPr>
+          <p:nvPr/>
+        </p:nvCxnSpPr>
+        <p:spPr>
+          <a:xfrm>
+            <a:off x="9010479" y="2882787"/>
+            <a:ext cx="708056" cy="0"/>
+          </a:xfrm>
+          <a:prstGeom prst="straightConnector1">
+            <a:avLst/>
+          </a:prstGeom>
+          <a:ln>
+            <a:tailEnd type="triangle"/>
+          </a:ln>
+        </p:spPr>
+        <p:style>
+          <a:lnRef idx="1">
+            <a:schemeClr val="dk1"/>
+          </a:lnRef>
+          <a:fillRef idx="0">
+            <a:schemeClr val="dk1"/>
+          </a:fillRef>
+          <a:effectRef idx="0">
+            <a:schemeClr val="dk1"/>
+          </a:effectRef>
+          <a:fontRef idx="minor">
+            <a:schemeClr val="tx1"/>
+          </a:fontRef>
+        </p:style>
+      </p:cxnSp>
+      <p:cxnSp>
+        <p:nvCxnSpPr>
+          <p:cNvPr id="23" name="Straight Arrow Connector 22"/>
+          <p:cNvCxnSpPr>
+            <a:endCxn id="17" idx="0"/>
+          </p:cNvCxnSpPr>
+          <p:nvPr/>
+        </p:nvCxnSpPr>
+        <p:spPr>
+          <a:xfrm>
+            <a:off x="9714486" y="2882787"/>
+            <a:ext cx="0" cy="774811"/>
+          </a:xfrm>
+          <a:prstGeom prst="straightConnector1">
+            <a:avLst/>
+          </a:prstGeom>
+          <a:ln>
+            <a:tailEnd type="triangle"/>
+          </a:ln>
+        </p:spPr>
+        <p:style>
+          <a:lnRef idx="1">
+            <a:schemeClr val="dk1"/>
+          </a:lnRef>
+          <a:fillRef idx="0">
+            <a:schemeClr val="dk1"/>
+          </a:fillRef>
+          <a:effectRef idx="0">
+            <a:schemeClr val="dk1"/>
+          </a:effectRef>
+          <a:fontRef idx="minor">
+            <a:schemeClr val="tx1"/>
+          </a:fontRef>
+        </p:style>
+      </p:cxnSp>
+      <p:cxnSp>
+        <p:nvCxnSpPr>
+          <p:cNvPr id="25" name="Straight Arrow Connector 24"/>
+          <p:cNvCxnSpPr>
+            <a:stCxn id="16" idx="2"/>
+          </p:cNvCxnSpPr>
+          <p:nvPr/>
+        </p:nvCxnSpPr>
+        <p:spPr>
+          <a:xfrm>
+            <a:off x="6421029" y="4224042"/>
+            <a:ext cx="4047" cy="623087"/>
+          </a:xfrm>
+          <a:prstGeom prst="straightConnector1">
+            <a:avLst/>
+          </a:prstGeom>
+          <a:ln>
+            <a:tailEnd type="triangle"/>
+          </a:ln>
+        </p:spPr>
+        <p:style>
+          <a:lnRef idx="1">
+            <a:schemeClr val="dk1"/>
+          </a:lnRef>
+          <a:fillRef idx="0">
+            <a:schemeClr val="dk1"/>
+          </a:fillRef>
+          <a:effectRef idx="0">
+            <a:schemeClr val="dk1"/>
+          </a:effectRef>
+          <a:fontRef idx="minor">
+            <a:schemeClr val="tx1"/>
+          </a:fontRef>
+        </p:style>
+      </p:cxnSp>
+      <p:cxnSp>
+        <p:nvCxnSpPr>
+          <p:cNvPr id="27" name="Straight Arrow Connector 26"/>
+          <p:cNvCxnSpPr>
+            <a:stCxn id="17" idx="2"/>
+          </p:cNvCxnSpPr>
+          <p:nvPr/>
+        </p:nvCxnSpPr>
+        <p:spPr>
+          <a:xfrm>
+            <a:off x="9714486" y="4224041"/>
+            <a:ext cx="0" cy="574536"/>
+          </a:xfrm>
+          <a:prstGeom prst="straightConnector1">
+            <a:avLst/>
+          </a:prstGeom>
+          <a:ln>
+            <a:tailEnd type="triangle"/>
+          </a:ln>
+        </p:spPr>
+        <p:style>
+          <a:lnRef idx="1">
+            <a:schemeClr val="dk1"/>
+          </a:lnRef>
+          <a:fillRef idx="0">
+            <a:schemeClr val="dk1"/>
+          </a:fillRef>
+          <a:effectRef idx="0">
+            <a:schemeClr val="dk1"/>
+          </a:effectRef>
+          <a:fontRef idx="minor">
+            <a:schemeClr val="tx1"/>
+          </a:fontRef>
+        </p:style>
+      </p:cxnSp>
+      <p:cxnSp>
+        <p:nvCxnSpPr>
+          <p:cNvPr id="29" name="Straight Arrow Connector 28"/>
+          <p:cNvCxnSpPr>
+            <a:endCxn id="30" idx="1"/>
+          </p:cNvCxnSpPr>
+          <p:nvPr/>
+        </p:nvCxnSpPr>
+        <p:spPr>
+          <a:xfrm>
+            <a:off x="6400800" y="4790485"/>
+            <a:ext cx="1153115" cy="30345"/>
+          </a:xfrm>
+          <a:prstGeom prst="straightConnector1">
+            <a:avLst/>
+          </a:prstGeom>
+          <a:ln>
+            <a:tailEnd type="triangle"/>
+          </a:ln>
+        </p:spPr>
+        <p:style>
+          <a:lnRef idx="1">
+            <a:schemeClr val="dk1"/>
+          </a:lnRef>
+          <a:fillRef idx="0">
+            <a:schemeClr val="dk1"/>
+          </a:fillRef>
+          <a:effectRef idx="0">
+            <a:schemeClr val="dk1"/>
+          </a:effectRef>
+          <a:fontRef idx="minor">
+            <a:schemeClr val="tx1"/>
+          </a:fontRef>
+        </p:style>
+      </p:cxnSp>
+      <p:sp>
+        <p:nvSpPr>
+          <p:cNvPr id="30" name="Flowchart: Terminator 29"/>
+          <p:cNvSpPr/>
+          <p:nvPr/>
+        </p:nvSpPr>
+        <p:spPr>
+          <a:xfrm>
+            <a:off x="7553915" y="4535585"/>
+            <a:ext cx="1116700" cy="570489"/>
+          </a:xfrm>
+          <a:prstGeom prst="flowChartTerminator">
+            <a:avLst/>
+          </a:prstGeom>
+        </p:spPr>
+        <p:style>
+          <a:lnRef idx="2">
+            <a:schemeClr val="accent1">
+              <a:shade val="50000"/>
+            </a:schemeClr>
+          </a:lnRef>
+          <a:fillRef idx="1">
+            <a:schemeClr val="accent1"/>
+          </a:fillRef>
+          <a:effectRef idx="0">
+            <a:schemeClr val="accent1"/>
+          </a:effectRef>
+          <a:fontRef idx="minor">
+            <a:schemeClr val="lt1"/>
+          </a:fontRef>
+        </p:style>
+        <p:txBody>
+          <a:bodyPr rtlCol="0" anchor="ctr"/>
+          <a:lstStyle/>
+          <a:p>
+            <a:pPr algn="ctr"/>
+            <a:r>
+              <a:rPr lang="en-US" dirty="0" smtClean="0"/>
+              <a:t>END</a:t>
+            </a:r>
+            <a:endParaRPr lang="en-US" dirty="0"/>
+          </a:p>
+        </p:txBody>
+      </p:sp>
+      <p:cxnSp>
+        <p:nvCxnSpPr>
+          <p:cNvPr id="33" name="Straight Arrow Connector 32"/>
+          <p:cNvCxnSpPr>
+            <a:endCxn id="30" idx="3"/>
+          </p:cNvCxnSpPr>
+          <p:nvPr/>
+        </p:nvCxnSpPr>
+        <p:spPr>
+          <a:xfrm flipH="1">
+            <a:off x="8670615" y="4798577"/>
+            <a:ext cx="1043871" cy="22253"/>
+          </a:xfrm>
+          <a:prstGeom prst="straightConnector1">
+            <a:avLst/>
+          </a:prstGeom>
+          <a:ln>
+            <a:tailEnd type="triangle"/>
+          </a:ln>
+        </p:spPr>
+        <p:style>
+          <a:lnRef idx="1">
+            <a:schemeClr val="dk1"/>
+          </a:lnRef>
+          <a:fillRef idx="0">
+            <a:schemeClr val="dk1"/>
+          </a:fillRef>
+          <a:effectRef idx="0">
+            <a:schemeClr val="dk1"/>
+          </a:effectRef>
+          <a:fontRef idx="minor">
+            <a:schemeClr val="tx1"/>
+          </a:fontRef>
+        </p:style>
+      </p:cxnSp>
+      <p:sp>
+        <p:nvSpPr>
+          <p:cNvPr id="34" name="TextBox 33"/>
+          <p:cNvSpPr txBox="1"/>
+          <p:nvPr/>
+        </p:nvSpPr>
+        <p:spPr>
+          <a:xfrm>
+            <a:off x="6287514" y="2500439"/>
+            <a:ext cx="956207" cy="369332"/>
+          </a:xfrm>
+          <a:prstGeom prst="rect">
+            <a:avLst/>
+          </a:prstGeom>
+          <a:noFill/>
+        </p:spPr>
+        <p:txBody>
+          <a:bodyPr wrap="square" rtlCol="0">
+            <a:spAutoFit/>
+          </a:bodyPr>
+          <a:lstStyle/>
+          <a:p>
+            <a:r>
+              <a:rPr lang="en-US" dirty="0" smtClean="0"/>
+              <a:t>FALSE</a:t>
+            </a:r>
+            <a:endParaRPr lang="en-US" dirty="0"/>
+          </a:p>
+        </p:txBody>
+      </p:sp>
+      <p:sp>
+        <p:nvSpPr>
+          <p:cNvPr id="35" name="TextBox 34"/>
+          <p:cNvSpPr txBox="1"/>
+          <p:nvPr/>
+        </p:nvSpPr>
+        <p:spPr>
+          <a:xfrm>
+            <a:off x="8844593" y="2535709"/>
+            <a:ext cx="956207" cy="369332"/>
+          </a:xfrm>
+          <a:prstGeom prst="rect">
+            <a:avLst/>
+          </a:prstGeom>
+          <a:noFill/>
+        </p:spPr>
+        <p:txBody>
+          <a:bodyPr wrap="square" rtlCol="0">
+            <a:spAutoFit/>
+          </a:bodyPr>
+          <a:lstStyle/>
+          <a:p>
+            <a:r>
+              <a:rPr lang="en-US" dirty="0" smtClean="0"/>
+              <a:t>TRUE</a:t>
             </a:r>
             <a:endParaRPr lang="en-US" dirty="0"/>
           </a:p>
@@ -3304,6 +3938,753 @@
           </a:p>
         </p:txBody>
       </p:sp>
+      <p:sp>
+        <p:nvSpPr>
+          <p:cNvPr id="4" name="Flowchart: Terminator 3"/>
+          <p:cNvSpPr/>
+          <p:nvPr/>
+        </p:nvSpPr>
+        <p:spPr>
+          <a:xfrm>
+            <a:off x="7315199" y="914400"/>
+            <a:ext cx="1432291" cy="372234"/>
+          </a:xfrm>
+          <a:prstGeom prst="flowChartTerminator">
+            <a:avLst/>
+          </a:prstGeom>
+        </p:spPr>
+        <p:style>
+          <a:lnRef idx="2">
+            <a:schemeClr val="accent1">
+              <a:shade val="50000"/>
+            </a:schemeClr>
+          </a:lnRef>
+          <a:fillRef idx="1">
+            <a:schemeClr val="accent1"/>
+          </a:fillRef>
+          <a:effectRef idx="0">
+            <a:schemeClr val="accent1"/>
+          </a:effectRef>
+          <a:fontRef idx="minor">
+            <a:schemeClr val="lt1"/>
+          </a:fontRef>
+        </p:style>
+        <p:txBody>
+          <a:bodyPr rtlCol="0" anchor="ctr"/>
+          <a:lstStyle/>
+          <a:p>
+            <a:pPr algn="ctr"/>
+            <a:r>
+              <a:rPr lang="en-US" dirty="0" smtClean="0"/>
+              <a:t>START</a:t>
+            </a:r>
+            <a:endParaRPr lang="en-US" dirty="0"/>
+          </a:p>
+        </p:txBody>
+      </p:sp>
+      <p:sp>
+        <p:nvSpPr>
+          <p:cNvPr id="5" name="Flowchart: Data 4"/>
+          <p:cNvSpPr/>
+          <p:nvPr/>
+        </p:nvSpPr>
+        <p:spPr>
+          <a:xfrm>
+            <a:off x="7290922" y="1549624"/>
+            <a:ext cx="1480843" cy="558351"/>
+          </a:xfrm>
+          <a:prstGeom prst="flowChartInputOutput">
+            <a:avLst/>
+          </a:prstGeom>
+        </p:spPr>
+        <p:style>
+          <a:lnRef idx="2">
+            <a:schemeClr val="accent1">
+              <a:shade val="50000"/>
+            </a:schemeClr>
+          </a:lnRef>
+          <a:fillRef idx="1">
+            <a:schemeClr val="accent1"/>
+          </a:fillRef>
+          <a:effectRef idx="0">
+            <a:schemeClr val="accent1"/>
+          </a:effectRef>
+          <a:fontRef idx="minor">
+            <a:schemeClr val="lt1"/>
+          </a:fontRef>
+        </p:style>
+        <p:txBody>
+          <a:bodyPr rtlCol="0" anchor="ctr"/>
+          <a:lstStyle/>
+          <a:p>
+            <a:pPr algn="ctr"/>
+            <a:r>
+              <a:rPr lang="en-US" dirty="0" smtClean="0"/>
+              <a:t>INPUT A, B</a:t>
+            </a:r>
+            <a:endParaRPr lang="en-US" dirty="0"/>
+          </a:p>
+        </p:txBody>
+      </p:sp>
+      <p:cxnSp>
+        <p:nvCxnSpPr>
+          <p:cNvPr id="6" name="Straight Arrow Connector 5"/>
+          <p:cNvCxnSpPr>
+            <a:stCxn id="4" idx="2"/>
+            <a:endCxn id="5" idx="1"/>
+          </p:cNvCxnSpPr>
+          <p:nvPr/>
+        </p:nvCxnSpPr>
+        <p:spPr>
+          <a:xfrm flipH="1">
+            <a:off x="8031344" y="1286634"/>
+            <a:ext cx="1" cy="262990"/>
+          </a:xfrm>
+          <a:prstGeom prst="straightConnector1">
+            <a:avLst/>
+          </a:prstGeom>
+          <a:ln>
+            <a:tailEnd type="triangle"/>
+          </a:ln>
+        </p:spPr>
+        <p:style>
+          <a:lnRef idx="1">
+            <a:schemeClr val="dk1"/>
+          </a:lnRef>
+          <a:fillRef idx="0">
+            <a:schemeClr val="dk1"/>
+          </a:fillRef>
+          <a:effectRef idx="0">
+            <a:schemeClr val="dk1"/>
+          </a:effectRef>
+          <a:fontRef idx="minor">
+            <a:schemeClr val="tx1"/>
+          </a:fontRef>
+        </p:style>
+      </p:cxnSp>
+      <p:cxnSp>
+        <p:nvCxnSpPr>
+          <p:cNvPr id="7" name="Straight Arrow Connector 6"/>
+          <p:cNvCxnSpPr/>
+          <p:nvPr/>
+        </p:nvCxnSpPr>
+        <p:spPr>
+          <a:xfrm>
+            <a:off x="8031344" y="3070923"/>
+            <a:ext cx="0" cy="392464"/>
+          </a:xfrm>
+          <a:prstGeom prst="straightConnector1">
+            <a:avLst/>
+          </a:prstGeom>
+          <a:ln>
+            <a:tailEnd type="triangle"/>
+          </a:ln>
+        </p:spPr>
+        <p:style>
+          <a:lnRef idx="1">
+            <a:schemeClr val="dk1"/>
+          </a:lnRef>
+          <a:fillRef idx="0">
+            <a:schemeClr val="dk1"/>
+          </a:fillRef>
+          <a:effectRef idx="0">
+            <a:schemeClr val="dk1"/>
+          </a:effectRef>
+          <a:fontRef idx="minor">
+            <a:schemeClr val="tx1"/>
+          </a:fontRef>
+        </p:style>
+      </p:cxnSp>
+      <p:sp>
+        <p:nvSpPr>
+          <p:cNvPr id="8" name="Flowchart: Decision 7"/>
+          <p:cNvSpPr/>
+          <p:nvPr/>
+        </p:nvSpPr>
+        <p:spPr>
+          <a:xfrm>
+            <a:off x="7052207" y="3483616"/>
+            <a:ext cx="1958272" cy="724238"/>
+          </a:xfrm>
+          <a:prstGeom prst="flowChartDecision">
+            <a:avLst/>
+          </a:prstGeom>
+        </p:spPr>
+        <p:style>
+          <a:lnRef idx="2">
+            <a:schemeClr val="accent1">
+              <a:shade val="50000"/>
+            </a:schemeClr>
+          </a:lnRef>
+          <a:fillRef idx="1">
+            <a:schemeClr val="accent1"/>
+          </a:fillRef>
+          <a:effectRef idx="0">
+            <a:schemeClr val="accent1"/>
+          </a:effectRef>
+          <a:fontRef idx="minor">
+            <a:schemeClr val="lt1"/>
+          </a:fontRef>
+        </p:style>
+        <p:txBody>
+          <a:bodyPr rtlCol="0" anchor="ctr"/>
+          <a:lstStyle/>
+          <a:p>
+            <a:pPr algn="ctr"/>
+            <a:r>
+              <a:rPr lang="en-US" dirty="0" smtClean="0"/>
+              <a:t>IS A%2=0</a:t>
+            </a:r>
+            <a:endParaRPr lang="en-US" dirty="0"/>
+          </a:p>
+        </p:txBody>
+      </p:sp>
+      <p:cxnSp>
+        <p:nvCxnSpPr>
+          <p:cNvPr id="9" name="Straight Arrow Connector 8"/>
+          <p:cNvCxnSpPr>
+            <a:stCxn id="8" idx="1"/>
+          </p:cNvCxnSpPr>
+          <p:nvPr/>
+        </p:nvCxnSpPr>
+        <p:spPr>
+          <a:xfrm flipH="1">
+            <a:off x="6376524" y="3845735"/>
+            <a:ext cx="675683" cy="22254"/>
+          </a:xfrm>
+          <a:prstGeom prst="straightConnector1">
+            <a:avLst/>
+          </a:prstGeom>
+          <a:ln>
+            <a:tailEnd type="triangle"/>
+          </a:ln>
+        </p:spPr>
+        <p:style>
+          <a:lnRef idx="1">
+            <a:schemeClr val="dk1"/>
+          </a:lnRef>
+          <a:fillRef idx="0">
+            <a:schemeClr val="dk1"/>
+          </a:fillRef>
+          <a:effectRef idx="0">
+            <a:schemeClr val="dk1"/>
+          </a:effectRef>
+          <a:fontRef idx="minor">
+            <a:schemeClr val="tx1"/>
+          </a:fontRef>
+        </p:style>
+      </p:cxnSp>
+      <p:cxnSp>
+        <p:nvCxnSpPr>
+          <p:cNvPr id="10" name="Straight Arrow Connector 9"/>
+          <p:cNvCxnSpPr/>
+          <p:nvPr/>
+        </p:nvCxnSpPr>
+        <p:spPr>
+          <a:xfrm>
+            <a:off x="6400800" y="3851805"/>
+            <a:ext cx="32368" cy="768742"/>
+          </a:xfrm>
+          <a:prstGeom prst="straightConnector1">
+            <a:avLst/>
+          </a:prstGeom>
+          <a:ln>
+            <a:tailEnd type="triangle"/>
+          </a:ln>
+        </p:spPr>
+        <p:style>
+          <a:lnRef idx="1">
+            <a:schemeClr val="dk1"/>
+          </a:lnRef>
+          <a:fillRef idx="0">
+            <a:schemeClr val="dk1"/>
+          </a:fillRef>
+          <a:effectRef idx="0">
+            <a:schemeClr val="dk1"/>
+          </a:effectRef>
+          <a:fontRef idx="minor">
+            <a:schemeClr val="tx1"/>
+          </a:fontRef>
+        </p:style>
+      </p:cxnSp>
+      <p:sp>
+        <p:nvSpPr>
+          <p:cNvPr id="11" name="Flowchart: Display 10"/>
+          <p:cNvSpPr/>
+          <p:nvPr/>
+        </p:nvSpPr>
+        <p:spPr>
+          <a:xfrm>
+            <a:off x="5551136" y="4620547"/>
+            <a:ext cx="1739786" cy="566443"/>
+          </a:xfrm>
+          <a:prstGeom prst="flowChartDisplay">
+            <a:avLst/>
+          </a:prstGeom>
+        </p:spPr>
+        <p:style>
+          <a:lnRef idx="2">
+            <a:schemeClr val="accent1">
+              <a:shade val="50000"/>
+            </a:schemeClr>
+          </a:lnRef>
+          <a:fillRef idx="1">
+            <a:schemeClr val="accent1"/>
+          </a:fillRef>
+          <a:effectRef idx="0">
+            <a:schemeClr val="accent1"/>
+          </a:effectRef>
+          <a:fontRef idx="minor">
+            <a:schemeClr val="lt1"/>
+          </a:fontRef>
+        </p:style>
+        <p:txBody>
+          <a:bodyPr rtlCol="0" anchor="ctr"/>
+          <a:lstStyle/>
+          <a:p>
+            <a:pPr algn="ctr"/>
+            <a:r>
+              <a:rPr lang="en-US" dirty="0" smtClean="0"/>
+              <a:t>PRINT ITS EVEN</a:t>
+            </a:r>
+            <a:endParaRPr lang="en-US" dirty="0"/>
+          </a:p>
+        </p:txBody>
+      </p:sp>
+      <p:sp>
+        <p:nvSpPr>
+          <p:cNvPr id="12" name="Flowchart: Display 11"/>
+          <p:cNvSpPr/>
+          <p:nvPr/>
+        </p:nvSpPr>
+        <p:spPr>
+          <a:xfrm>
+            <a:off x="8844593" y="4620546"/>
+            <a:ext cx="1739786" cy="566443"/>
+          </a:xfrm>
+          <a:prstGeom prst="flowChartDisplay">
+            <a:avLst/>
+          </a:prstGeom>
+        </p:spPr>
+        <p:style>
+          <a:lnRef idx="2">
+            <a:schemeClr val="accent1">
+              <a:shade val="50000"/>
+            </a:schemeClr>
+          </a:lnRef>
+          <a:fillRef idx="1">
+            <a:schemeClr val="accent1"/>
+          </a:fillRef>
+          <a:effectRef idx="0">
+            <a:schemeClr val="accent1"/>
+          </a:effectRef>
+          <a:fontRef idx="minor">
+            <a:schemeClr val="lt1"/>
+          </a:fontRef>
+        </p:style>
+        <p:txBody>
+          <a:bodyPr rtlCol="0" anchor="ctr"/>
+          <a:lstStyle/>
+          <a:p>
+            <a:pPr algn="ctr"/>
+            <a:r>
+              <a:rPr lang="en-US" dirty="0" smtClean="0"/>
+              <a:t>PRINT ITS EVEN</a:t>
+            </a:r>
+            <a:endParaRPr lang="en-US" dirty="0"/>
+          </a:p>
+        </p:txBody>
+      </p:sp>
+      <p:cxnSp>
+        <p:nvCxnSpPr>
+          <p:cNvPr id="13" name="Straight Arrow Connector 12"/>
+          <p:cNvCxnSpPr>
+            <a:stCxn id="8" idx="3"/>
+          </p:cNvCxnSpPr>
+          <p:nvPr/>
+        </p:nvCxnSpPr>
+        <p:spPr>
+          <a:xfrm>
+            <a:off x="9010479" y="3845735"/>
+            <a:ext cx="708056" cy="0"/>
+          </a:xfrm>
+          <a:prstGeom prst="straightConnector1">
+            <a:avLst/>
+          </a:prstGeom>
+          <a:ln>
+            <a:tailEnd type="triangle"/>
+          </a:ln>
+        </p:spPr>
+        <p:style>
+          <a:lnRef idx="1">
+            <a:schemeClr val="dk1"/>
+          </a:lnRef>
+          <a:fillRef idx="0">
+            <a:schemeClr val="dk1"/>
+          </a:fillRef>
+          <a:effectRef idx="0">
+            <a:schemeClr val="dk1"/>
+          </a:effectRef>
+          <a:fontRef idx="minor">
+            <a:schemeClr val="tx1"/>
+          </a:fontRef>
+        </p:style>
+      </p:cxnSp>
+      <p:cxnSp>
+        <p:nvCxnSpPr>
+          <p:cNvPr id="14" name="Straight Arrow Connector 13"/>
+          <p:cNvCxnSpPr>
+            <a:endCxn id="12" idx="0"/>
+          </p:cNvCxnSpPr>
+          <p:nvPr/>
+        </p:nvCxnSpPr>
+        <p:spPr>
+          <a:xfrm>
+            <a:off x="9714486" y="3845735"/>
+            <a:ext cx="0" cy="774811"/>
+          </a:xfrm>
+          <a:prstGeom prst="straightConnector1">
+            <a:avLst/>
+          </a:prstGeom>
+          <a:ln>
+            <a:tailEnd type="triangle"/>
+          </a:ln>
+        </p:spPr>
+        <p:style>
+          <a:lnRef idx="1">
+            <a:schemeClr val="dk1"/>
+          </a:lnRef>
+          <a:fillRef idx="0">
+            <a:schemeClr val="dk1"/>
+          </a:fillRef>
+          <a:effectRef idx="0">
+            <a:schemeClr val="dk1"/>
+          </a:effectRef>
+          <a:fontRef idx="minor">
+            <a:schemeClr val="tx1"/>
+          </a:fontRef>
+        </p:style>
+      </p:cxnSp>
+      <p:cxnSp>
+        <p:nvCxnSpPr>
+          <p:cNvPr id="15" name="Straight Arrow Connector 14"/>
+          <p:cNvCxnSpPr>
+            <a:stCxn id="11" idx="2"/>
+          </p:cNvCxnSpPr>
+          <p:nvPr/>
+        </p:nvCxnSpPr>
+        <p:spPr>
+          <a:xfrm>
+            <a:off x="6421029" y="5186990"/>
+            <a:ext cx="4047" cy="623087"/>
+          </a:xfrm>
+          <a:prstGeom prst="straightConnector1">
+            <a:avLst/>
+          </a:prstGeom>
+          <a:ln>
+            <a:tailEnd type="triangle"/>
+          </a:ln>
+        </p:spPr>
+        <p:style>
+          <a:lnRef idx="1">
+            <a:schemeClr val="dk1"/>
+          </a:lnRef>
+          <a:fillRef idx="0">
+            <a:schemeClr val="dk1"/>
+          </a:fillRef>
+          <a:effectRef idx="0">
+            <a:schemeClr val="dk1"/>
+          </a:effectRef>
+          <a:fontRef idx="minor">
+            <a:schemeClr val="tx1"/>
+          </a:fontRef>
+        </p:style>
+      </p:cxnSp>
+      <p:cxnSp>
+        <p:nvCxnSpPr>
+          <p:cNvPr id="16" name="Straight Arrow Connector 15"/>
+          <p:cNvCxnSpPr>
+            <a:stCxn id="12" idx="2"/>
+          </p:cNvCxnSpPr>
+          <p:nvPr/>
+        </p:nvCxnSpPr>
+        <p:spPr>
+          <a:xfrm>
+            <a:off x="9714486" y="5186989"/>
+            <a:ext cx="0" cy="574536"/>
+          </a:xfrm>
+          <a:prstGeom prst="straightConnector1">
+            <a:avLst/>
+          </a:prstGeom>
+          <a:ln>
+            <a:tailEnd type="triangle"/>
+          </a:ln>
+        </p:spPr>
+        <p:style>
+          <a:lnRef idx="1">
+            <a:schemeClr val="dk1"/>
+          </a:lnRef>
+          <a:fillRef idx="0">
+            <a:schemeClr val="dk1"/>
+          </a:fillRef>
+          <a:effectRef idx="0">
+            <a:schemeClr val="dk1"/>
+          </a:effectRef>
+          <a:fontRef idx="minor">
+            <a:schemeClr val="tx1"/>
+          </a:fontRef>
+        </p:style>
+      </p:cxnSp>
+      <p:cxnSp>
+        <p:nvCxnSpPr>
+          <p:cNvPr id="17" name="Straight Arrow Connector 16"/>
+          <p:cNvCxnSpPr/>
+          <p:nvPr/>
+        </p:nvCxnSpPr>
+        <p:spPr>
+          <a:xfrm>
+            <a:off x="6400800" y="5753433"/>
+            <a:ext cx="1153115" cy="30345"/>
+          </a:xfrm>
+          <a:prstGeom prst="straightConnector1">
+            <a:avLst/>
+          </a:prstGeom>
+          <a:ln>
+            <a:tailEnd type="triangle"/>
+          </a:ln>
+        </p:spPr>
+        <p:style>
+          <a:lnRef idx="1">
+            <a:schemeClr val="dk1"/>
+          </a:lnRef>
+          <a:fillRef idx="0">
+            <a:schemeClr val="dk1"/>
+          </a:fillRef>
+          <a:effectRef idx="0">
+            <a:schemeClr val="dk1"/>
+          </a:effectRef>
+          <a:fontRef idx="minor">
+            <a:schemeClr val="tx1"/>
+          </a:fontRef>
+        </p:style>
+      </p:cxnSp>
+      <p:sp>
+        <p:nvSpPr>
+          <p:cNvPr id="18" name="Flowchart: Terminator 17"/>
+          <p:cNvSpPr/>
+          <p:nvPr/>
+        </p:nvSpPr>
+        <p:spPr>
+          <a:xfrm>
+            <a:off x="7553915" y="5498533"/>
+            <a:ext cx="1116700" cy="570489"/>
+          </a:xfrm>
+          <a:prstGeom prst="flowChartTerminator">
+            <a:avLst/>
+          </a:prstGeom>
+        </p:spPr>
+        <p:style>
+          <a:lnRef idx="2">
+            <a:schemeClr val="accent1">
+              <a:shade val="50000"/>
+            </a:schemeClr>
+          </a:lnRef>
+          <a:fillRef idx="1">
+            <a:schemeClr val="accent1"/>
+          </a:fillRef>
+          <a:effectRef idx="0">
+            <a:schemeClr val="accent1"/>
+          </a:effectRef>
+          <a:fontRef idx="minor">
+            <a:schemeClr val="lt1"/>
+          </a:fontRef>
+        </p:style>
+        <p:txBody>
+          <a:bodyPr rtlCol="0" anchor="ctr"/>
+          <a:lstStyle/>
+          <a:p>
+            <a:pPr algn="ctr"/>
+            <a:r>
+              <a:rPr lang="en-US" dirty="0" smtClean="0"/>
+              <a:t>END</a:t>
+            </a:r>
+            <a:endParaRPr lang="en-US" dirty="0"/>
+          </a:p>
+        </p:txBody>
+      </p:sp>
+      <p:cxnSp>
+        <p:nvCxnSpPr>
+          <p:cNvPr id="19" name="Straight Arrow Connector 18"/>
+          <p:cNvCxnSpPr/>
+          <p:nvPr/>
+        </p:nvCxnSpPr>
+        <p:spPr>
+          <a:xfrm flipH="1">
+            <a:off x="8670615" y="5761525"/>
+            <a:ext cx="1043871" cy="22253"/>
+          </a:xfrm>
+          <a:prstGeom prst="straightConnector1">
+            <a:avLst/>
+          </a:prstGeom>
+          <a:ln>
+            <a:tailEnd type="triangle"/>
+          </a:ln>
+        </p:spPr>
+        <p:style>
+          <a:lnRef idx="1">
+            <a:schemeClr val="dk1"/>
+          </a:lnRef>
+          <a:fillRef idx="0">
+            <a:schemeClr val="dk1"/>
+          </a:fillRef>
+          <a:effectRef idx="0">
+            <a:schemeClr val="dk1"/>
+          </a:effectRef>
+          <a:fontRef idx="minor">
+            <a:schemeClr val="tx1"/>
+          </a:fontRef>
+        </p:style>
+      </p:cxnSp>
+      <p:sp>
+        <p:nvSpPr>
+          <p:cNvPr id="20" name="TextBox 19"/>
+          <p:cNvSpPr txBox="1"/>
+          <p:nvPr/>
+        </p:nvSpPr>
+        <p:spPr>
+          <a:xfrm>
+            <a:off x="6287514" y="3463387"/>
+            <a:ext cx="956207" cy="369332"/>
+          </a:xfrm>
+          <a:prstGeom prst="rect">
+            <a:avLst/>
+          </a:prstGeom>
+          <a:noFill/>
+        </p:spPr>
+        <p:txBody>
+          <a:bodyPr wrap="square" rtlCol="0">
+            <a:spAutoFit/>
+          </a:bodyPr>
+          <a:lstStyle/>
+          <a:p>
+            <a:r>
+              <a:rPr lang="en-US" dirty="0" smtClean="0"/>
+              <a:t>FALSE</a:t>
+            </a:r>
+            <a:endParaRPr lang="en-US" dirty="0"/>
+          </a:p>
+        </p:txBody>
+      </p:sp>
+      <p:sp>
+        <p:nvSpPr>
+          <p:cNvPr id="21" name="TextBox 20"/>
+          <p:cNvSpPr txBox="1"/>
+          <p:nvPr/>
+        </p:nvSpPr>
+        <p:spPr>
+          <a:xfrm>
+            <a:off x="8844593" y="3498657"/>
+            <a:ext cx="956207" cy="369332"/>
+          </a:xfrm>
+          <a:prstGeom prst="rect">
+            <a:avLst/>
+          </a:prstGeom>
+          <a:noFill/>
+        </p:spPr>
+        <p:txBody>
+          <a:bodyPr wrap="square" rtlCol="0">
+            <a:spAutoFit/>
+          </a:bodyPr>
+          <a:lstStyle/>
+          <a:p>
+            <a:r>
+              <a:rPr lang="en-US" dirty="0" smtClean="0"/>
+              <a:t>TRUE</a:t>
+            </a:r>
+            <a:endParaRPr lang="en-US" dirty="0"/>
+          </a:p>
+        </p:txBody>
+      </p:sp>
+      <p:sp>
+        <p:nvSpPr>
+          <p:cNvPr id="22" name="Rectangle 21"/>
+          <p:cNvSpPr/>
+          <p:nvPr/>
+        </p:nvSpPr>
+        <p:spPr>
+          <a:xfrm>
+            <a:off x="7027930" y="2453198"/>
+            <a:ext cx="1982549" cy="629156"/>
+          </a:xfrm>
+          <a:prstGeom prst="rect">
+            <a:avLst/>
+          </a:prstGeom>
+        </p:spPr>
+        <p:style>
+          <a:lnRef idx="2">
+            <a:schemeClr val="accent1">
+              <a:shade val="50000"/>
+            </a:schemeClr>
+          </a:lnRef>
+          <a:fillRef idx="1">
+            <a:schemeClr val="accent1"/>
+          </a:fillRef>
+          <a:effectRef idx="0">
+            <a:schemeClr val="accent1"/>
+          </a:effectRef>
+          <a:fontRef idx="minor">
+            <a:schemeClr val="lt1"/>
+          </a:fontRef>
+        </p:style>
+        <p:txBody>
+          <a:bodyPr rtlCol="0" anchor="ctr"/>
+          <a:lstStyle/>
+          <a:p>
+            <a:pPr algn="ctr"/>
+            <a:r>
+              <a:rPr lang="en-US" dirty="0" smtClean="0"/>
+              <a:t>C = A+B</a:t>
+            </a:r>
+            <a:endParaRPr lang="en-US" dirty="0"/>
+          </a:p>
+        </p:txBody>
+      </p:sp>
+      <p:cxnSp>
+        <p:nvCxnSpPr>
+          <p:cNvPr id="24" name="Straight Arrow Connector 23"/>
+          <p:cNvCxnSpPr>
+            <a:stCxn id="5" idx="4"/>
+            <a:endCxn id="22" idx="0"/>
+          </p:cNvCxnSpPr>
+          <p:nvPr/>
+        </p:nvCxnSpPr>
+        <p:spPr>
+          <a:xfrm flipH="1">
+            <a:off x="8019205" y="2107975"/>
+            <a:ext cx="12139" cy="345223"/>
+          </a:xfrm>
+          <a:prstGeom prst="straightConnector1">
+            <a:avLst/>
+          </a:prstGeom>
+          <a:ln>
+            <a:tailEnd type="triangle"/>
+          </a:ln>
+        </p:spPr>
+        <p:style>
+          <a:lnRef idx="1">
+            <a:schemeClr val="dk1"/>
+          </a:lnRef>
+          <a:fillRef idx="0">
+            <a:schemeClr val="dk1"/>
+          </a:fillRef>
+          <a:effectRef idx="0">
+            <a:schemeClr val="dk1"/>
+          </a:effectRef>
+          <a:fontRef idx="minor">
+            <a:schemeClr val="tx1"/>
+          </a:fontRef>
+        </p:style>
+      </p:cxnSp>
     </p:spTree>
     <p:extLst>
       <p:ext uri="{BB962C8B-B14F-4D97-AF65-F5344CB8AC3E}">
@@ -3421,6 +4802,446 @@
           </a:p>
         </p:txBody>
       </p:sp>
+      <p:sp>
+        <p:nvSpPr>
+          <p:cNvPr id="4" name="Flowchart: Terminator 3"/>
+          <p:cNvSpPr/>
+          <p:nvPr/>
+        </p:nvSpPr>
+        <p:spPr>
+          <a:xfrm>
+            <a:off x="7703618" y="1181437"/>
+            <a:ext cx="1294726" cy="420786"/>
+          </a:xfrm>
+          <a:prstGeom prst="flowChartTerminator">
+            <a:avLst/>
+          </a:prstGeom>
+        </p:spPr>
+        <p:style>
+          <a:lnRef idx="2">
+            <a:schemeClr val="accent1">
+              <a:shade val="50000"/>
+            </a:schemeClr>
+          </a:lnRef>
+          <a:fillRef idx="1">
+            <a:schemeClr val="accent1"/>
+          </a:fillRef>
+          <a:effectRef idx="0">
+            <a:schemeClr val="accent1"/>
+          </a:effectRef>
+          <a:fontRef idx="minor">
+            <a:schemeClr val="lt1"/>
+          </a:fontRef>
+        </p:style>
+        <p:txBody>
+          <a:bodyPr rtlCol="0" anchor="ctr"/>
+          <a:lstStyle/>
+          <a:p>
+            <a:pPr algn="ctr"/>
+            <a:r>
+              <a:rPr lang="en-US" dirty="0" smtClean="0"/>
+              <a:t>START</a:t>
+            </a:r>
+            <a:endParaRPr lang="en-US" dirty="0"/>
+          </a:p>
+        </p:txBody>
+      </p:sp>
+      <p:cxnSp>
+        <p:nvCxnSpPr>
+          <p:cNvPr id="6" name="Straight Arrow Connector 5"/>
+          <p:cNvCxnSpPr>
+            <a:stCxn id="4" idx="2"/>
+          </p:cNvCxnSpPr>
+          <p:nvPr/>
+        </p:nvCxnSpPr>
+        <p:spPr>
+          <a:xfrm>
+            <a:off x="8350981" y="1602223"/>
+            <a:ext cx="0" cy="356050"/>
+          </a:xfrm>
+          <a:prstGeom prst="straightConnector1">
+            <a:avLst/>
+          </a:prstGeom>
+          <a:ln>
+            <a:tailEnd type="triangle"/>
+          </a:ln>
+        </p:spPr>
+        <p:style>
+          <a:lnRef idx="1">
+            <a:schemeClr val="dk1"/>
+          </a:lnRef>
+          <a:fillRef idx="0">
+            <a:schemeClr val="dk1"/>
+          </a:fillRef>
+          <a:effectRef idx="0">
+            <a:schemeClr val="dk1"/>
+          </a:effectRef>
+          <a:fontRef idx="minor">
+            <a:schemeClr val="tx1"/>
+          </a:fontRef>
+        </p:style>
+      </p:cxnSp>
+      <p:sp>
+        <p:nvSpPr>
+          <p:cNvPr id="7" name="Flowchart: Data 6"/>
+          <p:cNvSpPr/>
+          <p:nvPr/>
+        </p:nvSpPr>
+        <p:spPr>
+          <a:xfrm>
+            <a:off x="6874184" y="1958273"/>
+            <a:ext cx="2953593" cy="493614"/>
+          </a:xfrm>
+          <a:prstGeom prst="flowChartInputOutput">
+            <a:avLst/>
+          </a:prstGeom>
+        </p:spPr>
+        <p:style>
+          <a:lnRef idx="2">
+            <a:schemeClr val="accent1">
+              <a:shade val="50000"/>
+            </a:schemeClr>
+          </a:lnRef>
+          <a:fillRef idx="1">
+            <a:schemeClr val="accent1"/>
+          </a:fillRef>
+          <a:effectRef idx="0">
+            <a:schemeClr val="accent1"/>
+          </a:effectRef>
+          <a:fontRef idx="minor">
+            <a:schemeClr val="lt1"/>
+          </a:fontRef>
+        </p:style>
+        <p:txBody>
+          <a:bodyPr rtlCol="0" anchor="ctr"/>
+          <a:lstStyle/>
+          <a:p>
+            <a:pPr algn="ctr"/>
+            <a:r>
+              <a:rPr lang="en-US" dirty="0" smtClean="0"/>
+              <a:t>INPUT VARIABLES</a:t>
+            </a:r>
+            <a:endParaRPr lang="en-US" dirty="0"/>
+          </a:p>
+        </p:txBody>
+      </p:sp>
+      <p:sp>
+        <p:nvSpPr>
+          <p:cNvPr id="8" name="Flowchart: Data 7"/>
+          <p:cNvSpPr/>
+          <p:nvPr/>
+        </p:nvSpPr>
+        <p:spPr>
+          <a:xfrm>
+            <a:off x="6823608" y="2864582"/>
+            <a:ext cx="3054743" cy="485522"/>
+          </a:xfrm>
+          <a:prstGeom prst="flowChartInputOutput">
+            <a:avLst/>
+          </a:prstGeom>
+        </p:spPr>
+        <p:style>
+          <a:lnRef idx="2">
+            <a:schemeClr val="accent1">
+              <a:shade val="50000"/>
+            </a:schemeClr>
+          </a:lnRef>
+          <a:fillRef idx="1">
+            <a:schemeClr val="accent1"/>
+          </a:fillRef>
+          <a:effectRef idx="0">
+            <a:schemeClr val="accent1"/>
+          </a:effectRef>
+          <a:fontRef idx="minor">
+            <a:schemeClr val="lt1"/>
+          </a:fontRef>
+        </p:style>
+        <p:txBody>
+          <a:bodyPr rtlCol="0" anchor="ctr"/>
+          <a:lstStyle/>
+          <a:p>
+            <a:pPr algn="ctr"/>
+            <a:r>
+              <a:rPr lang="en-US" dirty="0" smtClean="0"/>
+              <a:t>IMPORT PANDAS</a:t>
+            </a:r>
+            <a:endParaRPr lang="en-US" dirty="0"/>
+          </a:p>
+        </p:txBody>
+      </p:sp>
+      <p:cxnSp>
+        <p:nvCxnSpPr>
+          <p:cNvPr id="10" name="Straight Arrow Connector 9"/>
+          <p:cNvCxnSpPr>
+            <a:stCxn id="7" idx="4"/>
+            <a:endCxn id="8" idx="1"/>
+          </p:cNvCxnSpPr>
+          <p:nvPr/>
+        </p:nvCxnSpPr>
+        <p:spPr>
+          <a:xfrm flipH="1">
+            <a:off x="8350980" y="2451887"/>
+            <a:ext cx="1" cy="412695"/>
+          </a:xfrm>
+          <a:prstGeom prst="straightConnector1">
+            <a:avLst/>
+          </a:prstGeom>
+          <a:ln>
+            <a:tailEnd type="triangle"/>
+          </a:ln>
+        </p:spPr>
+        <p:style>
+          <a:lnRef idx="1">
+            <a:schemeClr val="dk1"/>
+          </a:lnRef>
+          <a:fillRef idx="0">
+            <a:schemeClr val="dk1"/>
+          </a:fillRef>
+          <a:effectRef idx="0">
+            <a:schemeClr val="dk1"/>
+          </a:effectRef>
+          <a:fontRef idx="minor">
+            <a:schemeClr val="tx1"/>
+          </a:fontRef>
+        </p:style>
+      </p:cxnSp>
+      <p:cxnSp>
+        <p:nvCxnSpPr>
+          <p:cNvPr id="12" name="Straight Arrow Connector 11"/>
+          <p:cNvCxnSpPr>
+            <a:stCxn id="8" idx="4"/>
+          </p:cNvCxnSpPr>
+          <p:nvPr/>
+        </p:nvCxnSpPr>
+        <p:spPr>
+          <a:xfrm>
+            <a:off x="8350980" y="3350104"/>
+            <a:ext cx="1" cy="388416"/>
+          </a:xfrm>
+          <a:prstGeom prst="straightConnector1">
+            <a:avLst/>
+          </a:prstGeom>
+          <a:ln>
+            <a:tailEnd type="triangle"/>
+          </a:ln>
+        </p:spPr>
+        <p:style>
+          <a:lnRef idx="1">
+            <a:schemeClr val="dk1"/>
+          </a:lnRef>
+          <a:fillRef idx="0">
+            <a:schemeClr val="dk1"/>
+          </a:fillRef>
+          <a:effectRef idx="0">
+            <a:schemeClr val="dk1"/>
+          </a:effectRef>
+          <a:fontRef idx="minor">
+            <a:schemeClr val="tx1"/>
+          </a:fontRef>
+        </p:style>
+      </p:cxnSp>
+      <p:sp>
+        <p:nvSpPr>
+          <p:cNvPr id="13" name="Rectangle 12"/>
+          <p:cNvSpPr/>
+          <p:nvPr/>
+        </p:nvSpPr>
+        <p:spPr>
+          <a:xfrm>
+            <a:off x="6286161" y="3762799"/>
+            <a:ext cx="4129635" cy="493614"/>
+          </a:xfrm>
+          <a:prstGeom prst="rect">
+            <a:avLst/>
+          </a:prstGeom>
+        </p:spPr>
+        <p:style>
+          <a:lnRef idx="2">
+            <a:schemeClr val="accent1">
+              <a:shade val="50000"/>
+            </a:schemeClr>
+          </a:lnRef>
+          <a:fillRef idx="1">
+            <a:schemeClr val="accent1"/>
+          </a:fillRef>
+          <a:effectRef idx="0">
+            <a:schemeClr val="accent1"/>
+          </a:effectRef>
+          <a:fontRef idx="minor">
+            <a:schemeClr val="lt1"/>
+          </a:fontRef>
+        </p:style>
+        <p:txBody>
+          <a:bodyPr rtlCol="0" anchor="ctr"/>
+          <a:lstStyle/>
+          <a:p>
+            <a:pPr algn="ctr"/>
+            <a:r>
+              <a:rPr lang="en-US" dirty="0" smtClean="0"/>
+              <a:t>CONVERT THE DICTIONARY INTO A PANDAS</a:t>
+            </a:r>
+            <a:endParaRPr lang="en-US" dirty="0"/>
+          </a:p>
+        </p:txBody>
+      </p:sp>
+      <p:cxnSp>
+        <p:nvCxnSpPr>
+          <p:cNvPr id="15" name="Straight Arrow Connector 14"/>
+          <p:cNvCxnSpPr>
+            <a:stCxn id="13" idx="2"/>
+          </p:cNvCxnSpPr>
+          <p:nvPr/>
+        </p:nvCxnSpPr>
+        <p:spPr>
+          <a:xfrm>
+            <a:off x="8350979" y="4256413"/>
+            <a:ext cx="0" cy="404599"/>
+          </a:xfrm>
+          <a:prstGeom prst="straightConnector1">
+            <a:avLst/>
+          </a:prstGeom>
+          <a:ln>
+            <a:tailEnd type="triangle"/>
+          </a:ln>
+        </p:spPr>
+        <p:style>
+          <a:lnRef idx="1">
+            <a:schemeClr val="dk1"/>
+          </a:lnRef>
+          <a:fillRef idx="0">
+            <a:schemeClr val="dk1"/>
+          </a:fillRef>
+          <a:effectRef idx="0">
+            <a:schemeClr val="dk1"/>
+          </a:effectRef>
+          <a:fontRef idx="minor">
+            <a:schemeClr val="tx1"/>
+          </a:fontRef>
+        </p:style>
+      </p:cxnSp>
+      <p:sp>
+        <p:nvSpPr>
+          <p:cNvPr id="16" name="Flowchart: Display 15"/>
+          <p:cNvSpPr/>
+          <p:nvPr/>
+        </p:nvSpPr>
+        <p:spPr>
+          <a:xfrm>
+            <a:off x="6562638" y="4661012"/>
+            <a:ext cx="3576680" cy="606903"/>
+          </a:xfrm>
+          <a:prstGeom prst="flowChartDisplay">
+            <a:avLst/>
+          </a:prstGeom>
+        </p:spPr>
+        <p:style>
+          <a:lnRef idx="2">
+            <a:schemeClr val="accent1">
+              <a:shade val="50000"/>
+            </a:schemeClr>
+          </a:lnRef>
+          <a:fillRef idx="1">
+            <a:schemeClr val="accent1"/>
+          </a:fillRef>
+          <a:effectRef idx="0">
+            <a:schemeClr val="accent1"/>
+          </a:effectRef>
+          <a:fontRef idx="minor">
+            <a:schemeClr val="lt1"/>
+          </a:fontRef>
+        </p:style>
+        <p:txBody>
+          <a:bodyPr rtlCol="0" anchor="ctr"/>
+          <a:lstStyle/>
+          <a:p>
+            <a:pPr algn="ctr"/>
+            <a:r>
+              <a:rPr lang="en-US" dirty="0" smtClean="0"/>
+              <a:t>DISPLAY DATA</a:t>
+            </a:r>
+            <a:endParaRPr lang="en-US" dirty="0"/>
+          </a:p>
+        </p:txBody>
+      </p:sp>
+      <p:cxnSp>
+        <p:nvCxnSpPr>
+          <p:cNvPr id="18" name="Straight Arrow Connector 17"/>
+          <p:cNvCxnSpPr>
+            <a:stCxn id="16" idx="2"/>
+          </p:cNvCxnSpPr>
+          <p:nvPr/>
+        </p:nvCxnSpPr>
+        <p:spPr>
+          <a:xfrm>
+            <a:off x="8350978" y="5267915"/>
+            <a:ext cx="0" cy="331773"/>
+          </a:xfrm>
+          <a:prstGeom prst="straightConnector1">
+            <a:avLst/>
+          </a:prstGeom>
+          <a:ln>
+            <a:tailEnd type="triangle"/>
+          </a:ln>
+        </p:spPr>
+        <p:style>
+          <a:lnRef idx="1">
+            <a:schemeClr val="dk1"/>
+          </a:lnRef>
+          <a:fillRef idx="0">
+            <a:schemeClr val="dk1"/>
+          </a:fillRef>
+          <a:effectRef idx="0">
+            <a:schemeClr val="dk1"/>
+          </a:effectRef>
+          <a:fontRef idx="minor">
+            <a:schemeClr val="tx1"/>
+          </a:fontRef>
+        </p:style>
+      </p:cxnSp>
+      <p:sp>
+        <p:nvSpPr>
+          <p:cNvPr id="19" name="Flowchart: Terminator 18"/>
+          <p:cNvSpPr/>
+          <p:nvPr/>
+        </p:nvSpPr>
+        <p:spPr>
+          <a:xfrm>
+            <a:off x="7218093" y="5599688"/>
+            <a:ext cx="2265770" cy="477430"/>
+          </a:xfrm>
+          <a:prstGeom prst="flowChartTerminator">
+            <a:avLst/>
+          </a:prstGeom>
+        </p:spPr>
+        <p:style>
+          <a:lnRef idx="2">
+            <a:schemeClr val="accent1">
+              <a:shade val="50000"/>
+            </a:schemeClr>
+          </a:lnRef>
+          <a:fillRef idx="1">
+            <a:schemeClr val="accent1"/>
+          </a:fillRef>
+          <a:effectRef idx="0">
+            <a:schemeClr val="accent1"/>
+          </a:effectRef>
+          <a:fontRef idx="minor">
+            <a:schemeClr val="lt1"/>
+          </a:fontRef>
+        </p:style>
+        <p:txBody>
+          <a:bodyPr rtlCol="0" anchor="ctr"/>
+          <a:lstStyle/>
+          <a:p>
+            <a:pPr algn="ctr"/>
+            <a:r>
+              <a:rPr lang="en-US" dirty="0" smtClean="0"/>
+              <a:t>END</a:t>
+            </a:r>
+            <a:endParaRPr lang="en-US" dirty="0"/>
+          </a:p>
+        </p:txBody>
+      </p:sp>
     </p:spTree>
     <p:extLst>
       <p:ext uri="{BB962C8B-B14F-4D97-AF65-F5344CB8AC3E}">
@@ -3529,6 +5350,366 @@
           </a:p>
         </p:txBody>
       </p:sp>
+      <p:sp>
+        <p:nvSpPr>
+          <p:cNvPr id="4" name="Flowchart: Terminator 3"/>
+          <p:cNvSpPr/>
+          <p:nvPr/>
+        </p:nvSpPr>
+        <p:spPr>
+          <a:xfrm>
+            <a:off x="7703618" y="1181437"/>
+            <a:ext cx="1294726" cy="420786"/>
+          </a:xfrm>
+          <a:prstGeom prst="flowChartTerminator">
+            <a:avLst/>
+          </a:prstGeom>
+        </p:spPr>
+        <p:style>
+          <a:lnRef idx="2">
+            <a:schemeClr val="accent1">
+              <a:shade val="50000"/>
+            </a:schemeClr>
+          </a:lnRef>
+          <a:fillRef idx="1">
+            <a:schemeClr val="accent1"/>
+          </a:fillRef>
+          <a:effectRef idx="0">
+            <a:schemeClr val="accent1"/>
+          </a:effectRef>
+          <a:fontRef idx="minor">
+            <a:schemeClr val="lt1"/>
+          </a:fontRef>
+        </p:style>
+        <p:txBody>
+          <a:bodyPr rtlCol="0" anchor="ctr"/>
+          <a:lstStyle/>
+          <a:p>
+            <a:pPr algn="ctr"/>
+            <a:r>
+              <a:rPr lang="en-US" dirty="0" smtClean="0"/>
+              <a:t>START</a:t>
+            </a:r>
+            <a:endParaRPr lang="en-US" dirty="0"/>
+          </a:p>
+        </p:txBody>
+      </p:sp>
+      <p:cxnSp>
+        <p:nvCxnSpPr>
+          <p:cNvPr id="5" name="Straight Arrow Connector 4"/>
+          <p:cNvCxnSpPr>
+            <a:stCxn id="4" idx="2"/>
+          </p:cNvCxnSpPr>
+          <p:nvPr/>
+        </p:nvCxnSpPr>
+        <p:spPr>
+          <a:xfrm>
+            <a:off x="8350981" y="1602223"/>
+            <a:ext cx="0" cy="356050"/>
+          </a:xfrm>
+          <a:prstGeom prst="straightConnector1">
+            <a:avLst/>
+          </a:prstGeom>
+          <a:ln>
+            <a:tailEnd type="triangle"/>
+          </a:ln>
+        </p:spPr>
+        <p:style>
+          <a:lnRef idx="1">
+            <a:schemeClr val="dk1"/>
+          </a:lnRef>
+          <a:fillRef idx="0">
+            <a:schemeClr val="dk1"/>
+          </a:fillRef>
+          <a:effectRef idx="0">
+            <a:schemeClr val="dk1"/>
+          </a:effectRef>
+          <a:fontRef idx="minor">
+            <a:schemeClr val="tx1"/>
+          </a:fontRef>
+        </p:style>
+      </p:cxnSp>
+      <p:sp>
+        <p:nvSpPr>
+          <p:cNvPr id="6" name="Flowchart: Data 5"/>
+          <p:cNvSpPr/>
+          <p:nvPr/>
+        </p:nvSpPr>
+        <p:spPr>
+          <a:xfrm>
+            <a:off x="6874184" y="1958273"/>
+            <a:ext cx="2953593" cy="493614"/>
+          </a:xfrm>
+          <a:prstGeom prst="flowChartInputOutput">
+            <a:avLst/>
+          </a:prstGeom>
+        </p:spPr>
+        <p:style>
+          <a:lnRef idx="2">
+            <a:schemeClr val="accent1">
+              <a:shade val="50000"/>
+            </a:schemeClr>
+          </a:lnRef>
+          <a:fillRef idx="1">
+            <a:schemeClr val="accent1"/>
+          </a:fillRef>
+          <a:effectRef idx="0">
+            <a:schemeClr val="accent1"/>
+          </a:effectRef>
+          <a:fontRef idx="minor">
+            <a:schemeClr val="lt1"/>
+          </a:fontRef>
+        </p:style>
+        <p:txBody>
+          <a:bodyPr rtlCol="0" anchor="ctr"/>
+          <a:lstStyle/>
+          <a:p>
+            <a:pPr algn="ctr"/>
+            <a:r>
+              <a:rPr lang="en-US" dirty="0" smtClean="0"/>
+              <a:t>INPUT D AND T</a:t>
+            </a:r>
+            <a:endParaRPr lang="en-US" dirty="0"/>
+          </a:p>
+        </p:txBody>
+      </p:sp>
+      <p:cxnSp>
+        <p:nvCxnSpPr>
+          <p:cNvPr id="8" name="Straight Arrow Connector 7"/>
+          <p:cNvCxnSpPr>
+            <a:stCxn id="6" idx="4"/>
+          </p:cNvCxnSpPr>
+          <p:nvPr/>
+        </p:nvCxnSpPr>
+        <p:spPr>
+          <a:xfrm flipH="1">
+            <a:off x="8350980" y="2451887"/>
+            <a:ext cx="1" cy="412695"/>
+          </a:xfrm>
+          <a:prstGeom prst="straightConnector1">
+            <a:avLst/>
+          </a:prstGeom>
+          <a:ln>
+            <a:tailEnd type="triangle"/>
+          </a:ln>
+        </p:spPr>
+        <p:style>
+          <a:lnRef idx="1">
+            <a:schemeClr val="dk1"/>
+          </a:lnRef>
+          <a:fillRef idx="0">
+            <a:schemeClr val="dk1"/>
+          </a:fillRef>
+          <a:effectRef idx="0">
+            <a:schemeClr val="dk1"/>
+          </a:effectRef>
+          <a:fontRef idx="minor">
+            <a:schemeClr val="tx1"/>
+          </a:fontRef>
+        </p:style>
+      </p:cxnSp>
+      <p:sp>
+        <p:nvSpPr>
+          <p:cNvPr id="10" name="Rectangle 9"/>
+          <p:cNvSpPr/>
+          <p:nvPr/>
+        </p:nvSpPr>
+        <p:spPr>
+          <a:xfrm>
+            <a:off x="6286161" y="2888863"/>
+            <a:ext cx="4129635" cy="493614"/>
+          </a:xfrm>
+          <a:prstGeom prst="rect">
+            <a:avLst/>
+          </a:prstGeom>
+        </p:spPr>
+        <p:style>
+          <a:lnRef idx="2">
+            <a:schemeClr val="accent1">
+              <a:shade val="50000"/>
+            </a:schemeClr>
+          </a:lnRef>
+          <a:fillRef idx="1">
+            <a:schemeClr val="accent1"/>
+          </a:fillRef>
+          <a:effectRef idx="0">
+            <a:schemeClr val="accent1"/>
+          </a:effectRef>
+          <a:fontRef idx="minor">
+            <a:schemeClr val="lt1"/>
+          </a:fontRef>
+        </p:style>
+        <p:txBody>
+          <a:bodyPr rtlCol="0" anchor="ctr"/>
+          <a:lstStyle/>
+          <a:p>
+            <a:pPr algn="ctr"/>
+            <a:r>
+              <a:rPr lang="en-US" dirty="0" smtClean="0"/>
+              <a:t>S = D/T</a:t>
+            </a:r>
+            <a:endParaRPr lang="en-US" dirty="0"/>
+          </a:p>
+        </p:txBody>
+      </p:sp>
+      <p:cxnSp>
+        <p:nvCxnSpPr>
+          <p:cNvPr id="11" name="Straight Arrow Connector 10"/>
+          <p:cNvCxnSpPr>
+            <a:stCxn id="10" idx="2"/>
+          </p:cNvCxnSpPr>
+          <p:nvPr/>
+        </p:nvCxnSpPr>
+        <p:spPr>
+          <a:xfrm>
+            <a:off x="8350979" y="3382477"/>
+            <a:ext cx="0" cy="404599"/>
+          </a:xfrm>
+          <a:prstGeom prst="straightConnector1">
+            <a:avLst/>
+          </a:prstGeom>
+          <a:ln>
+            <a:tailEnd type="triangle"/>
+          </a:ln>
+        </p:spPr>
+        <p:style>
+          <a:lnRef idx="1">
+            <a:schemeClr val="dk1"/>
+          </a:lnRef>
+          <a:fillRef idx="0">
+            <a:schemeClr val="dk1"/>
+          </a:fillRef>
+          <a:effectRef idx="0">
+            <a:schemeClr val="dk1"/>
+          </a:effectRef>
+          <a:fontRef idx="minor">
+            <a:schemeClr val="tx1"/>
+          </a:fontRef>
+        </p:style>
+      </p:cxnSp>
+      <p:sp>
+        <p:nvSpPr>
+          <p:cNvPr id="12" name="Flowchart: Display 11"/>
+          <p:cNvSpPr/>
+          <p:nvPr/>
+        </p:nvSpPr>
+        <p:spPr>
+          <a:xfrm>
+            <a:off x="6562638" y="3787076"/>
+            <a:ext cx="3576680" cy="606903"/>
+          </a:xfrm>
+          <a:prstGeom prst="flowChartDisplay">
+            <a:avLst/>
+          </a:prstGeom>
+        </p:spPr>
+        <p:style>
+          <a:lnRef idx="2">
+            <a:schemeClr val="accent1">
+              <a:shade val="50000"/>
+            </a:schemeClr>
+          </a:lnRef>
+          <a:fillRef idx="1">
+            <a:schemeClr val="accent1"/>
+          </a:fillRef>
+          <a:effectRef idx="0">
+            <a:schemeClr val="accent1"/>
+          </a:effectRef>
+          <a:fontRef idx="minor">
+            <a:schemeClr val="lt1"/>
+          </a:fontRef>
+        </p:style>
+        <p:txBody>
+          <a:bodyPr rtlCol="0" anchor="ctr"/>
+          <a:lstStyle/>
+          <a:p>
+            <a:pPr algn="ctr"/>
+            <a:r>
+              <a:rPr lang="en-US" dirty="0" smtClean="0"/>
+              <a:t>DISPLAY S</a:t>
+            </a:r>
+            <a:endParaRPr lang="en-US" dirty="0"/>
+          </a:p>
+        </p:txBody>
+      </p:sp>
+      <p:cxnSp>
+        <p:nvCxnSpPr>
+          <p:cNvPr id="13" name="Straight Arrow Connector 12"/>
+          <p:cNvCxnSpPr>
+            <a:stCxn id="12" idx="2"/>
+          </p:cNvCxnSpPr>
+          <p:nvPr/>
+        </p:nvCxnSpPr>
+        <p:spPr>
+          <a:xfrm>
+            <a:off x="8350978" y="4393979"/>
+            <a:ext cx="0" cy="331773"/>
+          </a:xfrm>
+          <a:prstGeom prst="straightConnector1">
+            <a:avLst/>
+          </a:prstGeom>
+          <a:ln>
+            <a:tailEnd type="triangle"/>
+          </a:ln>
+        </p:spPr>
+        <p:style>
+          <a:lnRef idx="1">
+            <a:schemeClr val="dk1"/>
+          </a:lnRef>
+          <a:fillRef idx="0">
+            <a:schemeClr val="dk1"/>
+          </a:fillRef>
+          <a:effectRef idx="0">
+            <a:schemeClr val="dk1"/>
+          </a:effectRef>
+          <a:fontRef idx="minor">
+            <a:schemeClr val="tx1"/>
+          </a:fontRef>
+        </p:style>
+      </p:cxnSp>
+      <p:sp>
+        <p:nvSpPr>
+          <p:cNvPr id="14" name="Flowchart: Terminator 13"/>
+          <p:cNvSpPr/>
+          <p:nvPr/>
+        </p:nvSpPr>
+        <p:spPr>
+          <a:xfrm>
+            <a:off x="7218093" y="4725752"/>
+            <a:ext cx="2265770" cy="477430"/>
+          </a:xfrm>
+          <a:prstGeom prst="flowChartTerminator">
+            <a:avLst/>
+          </a:prstGeom>
+        </p:spPr>
+        <p:style>
+          <a:lnRef idx="2">
+            <a:schemeClr val="accent1">
+              <a:shade val="50000"/>
+            </a:schemeClr>
+          </a:lnRef>
+          <a:fillRef idx="1">
+            <a:schemeClr val="accent1"/>
+          </a:fillRef>
+          <a:effectRef idx="0">
+            <a:schemeClr val="accent1"/>
+          </a:effectRef>
+          <a:fontRef idx="minor">
+            <a:schemeClr val="lt1"/>
+          </a:fontRef>
+        </p:style>
+        <p:txBody>
+          <a:bodyPr rtlCol="0" anchor="ctr"/>
+          <a:lstStyle/>
+          <a:p>
+            <a:pPr algn="ctr"/>
+            <a:r>
+              <a:rPr lang="en-US" dirty="0" smtClean="0"/>
+              <a:t>END</a:t>
+            </a:r>
+            <a:endParaRPr lang="en-US" dirty="0"/>
+          </a:p>
+        </p:txBody>
+      </p:sp>
     </p:spTree>
     <p:extLst>
       <p:ext uri="{BB962C8B-B14F-4D97-AF65-F5344CB8AC3E}">
@@ -3571,8 +5752,8 @@
         </p:nvSpPr>
         <p:spPr>
           <a:xfrm>
-            <a:off x="1524000" y="0"/>
-            <a:ext cx="9144000" cy="914400"/>
+            <a:off x="0" y="77505"/>
+            <a:ext cx="4968510" cy="914400"/>
           </a:xfrm>
         </p:spPr>
         <p:txBody>
@@ -3582,7 +5763,11 @@
             <a:pPr algn="ctr"/>
             <a:r>
               <a:rPr lang="en-US" dirty="0" smtClean="0"/>
-              <a:t>Exercise 4</a:t>
+              <a:t>Exercise </a:t>
+            </a:r>
+            <a:r>
+              <a:rPr lang="en-US" dirty="0" smtClean="0"/>
+              <a:t>5</a:t>
             </a:r>
             <a:endParaRPr lang="en-US" dirty="0"/>
           </a:p>
@@ -3679,6 +5864,917 @@
               <a:rPr lang="en-US" sz="1800" dirty="0" smtClean="0"/>
               <a:t>PRINT X1 AND X2</a:t>
             </a:r>
+          </a:p>
+        </p:txBody>
+      </p:sp>
+      <p:cxnSp>
+        <p:nvCxnSpPr>
+          <p:cNvPr id="27" name="Straight Arrow Connector 26"/>
+          <p:cNvCxnSpPr/>
+          <p:nvPr/>
+        </p:nvCxnSpPr>
+        <p:spPr>
+          <a:xfrm flipH="1">
+            <a:off x="8636176" y="434715"/>
+            <a:ext cx="7495" cy="404734"/>
+          </a:xfrm>
+          <a:prstGeom prst="straightConnector1">
+            <a:avLst/>
+          </a:prstGeom>
+          <a:ln>
+            <a:tailEnd type="triangle"/>
+          </a:ln>
+        </p:spPr>
+        <p:style>
+          <a:lnRef idx="1">
+            <a:schemeClr val="dk1"/>
+          </a:lnRef>
+          <a:fillRef idx="0">
+            <a:schemeClr val="dk1"/>
+          </a:fillRef>
+          <a:effectRef idx="0">
+            <a:schemeClr val="dk1"/>
+          </a:effectRef>
+          <a:fontRef idx="minor">
+            <a:schemeClr val="tx1"/>
+          </a:fontRef>
+        </p:style>
+      </p:cxnSp>
+      <p:sp>
+        <p:nvSpPr>
+          <p:cNvPr id="28" name="Flowchart: Data 27"/>
+          <p:cNvSpPr/>
+          <p:nvPr/>
+        </p:nvSpPr>
+        <p:spPr>
+          <a:xfrm>
+            <a:off x="7586865" y="869430"/>
+            <a:ext cx="1993692" cy="539646"/>
+          </a:xfrm>
+          <a:prstGeom prst="flowChartInputOutput">
+            <a:avLst/>
+          </a:prstGeom>
+        </p:spPr>
+        <p:style>
+          <a:lnRef idx="2">
+            <a:schemeClr val="accent2">
+              <a:shade val="50000"/>
+            </a:schemeClr>
+          </a:lnRef>
+          <a:fillRef idx="1">
+            <a:schemeClr val="accent2"/>
+          </a:fillRef>
+          <a:effectRef idx="0">
+            <a:schemeClr val="accent2"/>
+          </a:effectRef>
+          <a:fontRef idx="minor">
+            <a:schemeClr val="lt1"/>
+          </a:fontRef>
+        </p:style>
+        <p:txBody>
+          <a:bodyPr rtlCol="0" anchor="ctr"/>
+          <a:lstStyle/>
+          <a:p>
+            <a:pPr algn="ctr"/>
+            <a:r>
+              <a:rPr lang="en-US" dirty="0"/>
+              <a:t>INPUT A,B,C</a:t>
+            </a:r>
+          </a:p>
+        </p:txBody>
+      </p:sp>
+      <p:cxnSp>
+        <p:nvCxnSpPr>
+          <p:cNvPr id="29" name="Straight Arrow Connector 28"/>
+          <p:cNvCxnSpPr>
+            <a:stCxn id="28" idx="4"/>
+          </p:cNvCxnSpPr>
+          <p:nvPr/>
+        </p:nvCxnSpPr>
+        <p:spPr>
+          <a:xfrm>
+            <a:off x="8583711" y="1409076"/>
+            <a:ext cx="0" cy="434715"/>
+          </a:xfrm>
+          <a:prstGeom prst="straightConnector1">
+            <a:avLst/>
+          </a:prstGeom>
+          <a:ln>
+            <a:tailEnd type="triangle"/>
+          </a:ln>
+        </p:spPr>
+        <p:style>
+          <a:lnRef idx="1">
+            <a:schemeClr val="dk1"/>
+          </a:lnRef>
+          <a:fillRef idx="0">
+            <a:schemeClr val="dk1"/>
+          </a:fillRef>
+          <a:effectRef idx="0">
+            <a:schemeClr val="dk1"/>
+          </a:effectRef>
+          <a:fontRef idx="minor">
+            <a:schemeClr val="tx1"/>
+          </a:fontRef>
+        </p:style>
+      </p:cxnSp>
+      <p:sp>
+        <p:nvSpPr>
+          <p:cNvPr id="30" name="Rectangle 29"/>
+          <p:cNvSpPr/>
+          <p:nvPr/>
+        </p:nvSpPr>
+        <p:spPr>
+          <a:xfrm>
+            <a:off x="7586865" y="1888761"/>
+            <a:ext cx="2158584" cy="494676"/>
+          </a:xfrm>
+          <a:prstGeom prst="rect">
+            <a:avLst/>
+          </a:prstGeom>
+        </p:spPr>
+        <p:style>
+          <a:lnRef idx="2">
+            <a:schemeClr val="accent6">
+              <a:shade val="50000"/>
+            </a:schemeClr>
+          </a:lnRef>
+          <a:fillRef idx="1">
+            <a:schemeClr val="accent6"/>
+          </a:fillRef>
+          <a:effectRef idx="0">
+            <a:schemeClr val="accent6"/>
+          </a:effectRef>
+          <a:fontRef idx="minor">
+            <a:schemeClr val="lt1"/>
+          </a:fontRef>
+        </p:style>
+        <p:txBody>
+          <a:bodyPr rtlCol="0" anchor="ctr"/>
+          <a:lstStyle/>
+          <a:p>
+            <a:pPr algn="ctr"/>
+            <a:r>
+              <a:rPr lang="en-US" dirty="0"/>
+              <a:t>D = B^2-4*A*c</a:t>
+            </a:r>
+          </a:p>
+        </p:txBody>
+      </p:sp>
+      <p:cxnSp>
+        <p:nvCxnSpPr>
+          <p:cNvPr id="31" name="Straight Arrow Connector 30"/>
+          <p:cNvCxnSpPr>
+            <a:stCxn id="30" idx="2"/>
+          </p:cNvCxnSpPr>
+          <p:nvPr/>
+        </p:nvCxnSpPr>
+        <p:spPr>
+          <a:xfrm flipH="1">
+            <a:off x="8643671" y="2383437"/>
+            <a:ext cx="22486" cy="479685"/>
+          </a:xfrm>
+          <a:prstGeom prst="straightConnector1">
+            <a:avLst/>
+          </a:prstGeom>
+          <a:ln>
+            <a:tailEnd type="triangle"/>
+          </a:ln>
+        </p:spPr>
+        <p:style>
+          <a:lnRef idx="1">
+            <a:schemeClr val="dk1"/>
+          </a:lnRef>
+          <a:fillRef idx="0">
+            <a:schemeClr val="dk1"/>
+          </a:fillRef>
+          <a:effectRef idx="0">
+            <a:schemeClr val="dk1"/>
+          </a:effectRef>
+          <a:fontRef idx="minor">
+            <a:schemeClr val="tx1"/>
+          </a:fontRef>
+        </p:style>
+      </p:cxnSp>
+      <p:sp>
+        <p:nvSpPr>
+          <p:cNvPr id="32" name="Rectangle 31"/>
+          <p:cNvSpPr/>
+          <p:nvPr/>
+        </p:nvSpPr>
+        <p:spPr>
+          <a:xfrm>
+            <a:off x="7639330" y="2863123"/>
+            <a:ext cx="1993692" cy="494676"/>
+          </a:xfrm>
+          <a:prstGeom prst="rect">
+            <a:avLst/>
+          </a:prstGeom>
+        </p:spPr>
+        <p:style>
+          <a:lnRef idx="2">
+            <a:schemeClr val="accent6">
+              <a:shade val="50000"/>
+            </a:schemeClr>
+          </a:lnRef>
+          <a:fillRef idx="1">
+            <a:schemeClr val="accent6"/>
+          </a:fillRef>
+          <a:effectRef idx="0">
+            <a:schemeClr val="accent6"/>
+          </a:effectRef>
+          <a:fontRef idx="minor">
+            <a:schemeClr val="lt1"/>
+          </a:fontRef>
+        </p:style>
+        <p:txBody>
+          <a:bodyPr rtlCol="0" anchor="ctr"/>
+          <a:lstStyle/>
+          <a:p>
+            <a:pPr algn="ctr"/>
+            <a:r>
+              <a:rPr lang="en-US" dirty="0"/>
+              <a:t>X1 = </a:t>
+            </a:r>
+            <a:r>
+              <a:rPr lang="en-US" dirty="0" smtClean="0"/>
+              <a:t>(-</a:t>
+            </a:r>
+            <a:r>
+              <a:rPr lang="en-US" dirty="0"/>
+              <a:t>B +(D^0.5</a:t>
+            </a:r>
+            <a:r>
+              <a:rPr lang="en-US" dirty="0" smtClean="0"/>
+              <a:t>))/2A</a:t>
+            </a:r>
+            <a:endParaRPr lang="en-US" dirty="0"/>
+          </a:p>
+        </p:txBody>
+      </p:sp>
+      <p:cxnSp>
+        <p:nvCxnSpPr>
+          <p:cNvPr id="33" name="Straight Arrow Connector 32"/>
+          <p:cNvCxnSpPr>
+            <a:stCxn id="32" idx="2"/>
+          </p:cNvCxnSpPr>
+          <p:nvPr/>
+        </p:nvCxnSpPr>
+        <p:spPr>
+          <a:xfrm>
+            <a:off x="8636176" y="3357799"/>
+            <a:ext cx="0" cy="509663"/>
+          </a:xfrm>
+          <a:prstGeom prst="straightConnector1">
+            <a:avLst/>
+          </a:prstGeom>
+          <a:ln>
+            <a:tailEnd type="triangle"/>
+          </a:ln>
+        </p:spPr>
+        <p:style>
+          <a:lnRef idx="1">
+            <a:schemeClr val="dk1"/>
+          </a:lnRef>
+          <a:fillRef idx="0">
+            <a:schemeClr val="dk1"/>
+          </a:fillRef>
+          <a:effectRef idx="0">
+            <a:schemeClr val="dk1"/>
+          </a:effectRef>
+          <a:fontRef idx="minor">
+            <a:schemeClr val="tx1"/>
+          </a:fontRef>
+        </p:style>
+      </p:cxnSp>
+      <p:sp>
+        <p:nvSpPr>
+          <p:cNvPr id="34" name="Rectangle 33"/>
+          <p:cNvSpPr/>
+          <p:nvPr/>
+        </p:nvSpPr>
+        <p:spPr>
+          <a:xfrm>
+            <a:off x="7639330" y="3852472"/>
+            <a:ext cx="1941227" cy="479685"/>
+          </a:xfrm>
+          <a:prstGeom prst="rect">
+            <a:avLst/>
+          </a:prstGeom>
+        </p:spPr>
+        <p:style>
+          <a:lnRef idx="2">
+            <a:schemeClr val="accent6">
+              <a:shade val="50000"/>
+            </a:schemeClr>
+          </a:lnRef>
+          <a:fillRef idx="1">
+            <a:schemeClr val="accent6"/>
+          </a:fillRef>
+          <a:effectRef idx="0">
+            <a:schemeClr val="accent6"/>
+          </a:effectRef>
+          <a:fontRef idx="minor">
+            <a:schemeClr val="lt1"/>
+          </a:fontRef>
+        </p:style>
+        <p:txBody>
+          <a:bodyPr rtlCol="0" anchor="ctr"/>
+          <a:lstStyle/>
+          <a:p>
+            <a:pPr algn="ctr"/>
+            <a:r>
+              <a:rPr lang="en-US" dirty="0"/>
+              <a:t>X2 = </a:t>
+            </a:r>
+            <a:r>
+              <a:rPr lang="en-US" dirty="0" smtClean="0"/>
+              <a:t>(-</a:t>
+            </a:r>
+            <a:r>
+              <a:rPr lang="en-US" dirty="0"/>
+              <a:t>B-(D^0.5</a:t>
+            </a:r>
+            <a:r>
+              <a:rPr lang="en-US" dirty="0" smtClean="0"/>
+              <a:t>))/2A</a:t>
+            </a:r>
+            <a:endParaRPr lang="en-US" dirty="0"/>
+          </a:p>
+        </p:txBody>
+      </p:sp>
+      <p:cxnSp>
+        <p:nvCxnSpPr>
+          <p:cNvPr id="35" name="Straight Arrow Connector 34"/>
+          <p:cNvCxnSpPr>
+            <a:stCxn id="34" idx="2"/>
+          </p:cNvCxnSpPr>
+          <p:nvPr/>
+        </p:nvCxnSpPr>
+        <p:spPr>
+          <a:xfrm>
+            <a:off x="8609944" y="4332157"/>
+            <a:ext cx="26232" cy="479686"/>
+          </a:xfrm>
+          <a:prstGeom prst="straightConnector1">
+            <a:avLst/>
+          </a:prstGeom>
+          <a:ln>
+            <a:tailEnd type="triangle"/>
+          </a:ln>
+        </p:spPr>
+        <p:style>
+          <a:lnRef idx="1">
+            <a:schemeClr val="dk1"/>
+          </a:lnRef>
+          <a:fillRef idx="0">
+            <a:schemeClr val="dk1"/>
+          </a:fillRef>
+          <a:effectRef idx="0">
+            <a:schemeClr val="dk1"/>
+          </a:effectRef>
+          <a:fontRef idx="minor">
+            <a:schemeClr val="tx1"/>
+          </a:fontRef>
+        </p:style>
+      </p:cxnSp>
+      <p:sp>
+        <p:nvSpPr>
+          <p:cNvPr id="36" name="Flowchart: Decision 35"/>
+          <p:cNvSpPr/>
+          <p:nvPr/>
+        </p:nvSpPr>
+        <p:spPr>
+          <a:xfrm>
+            <a:off x="7436963" y="4826830"/>
+            <a:ext cx="2413416" cy="464698"/>
+          </a:xfrm>
+          <a:prstGeom prst="flowChartDecision">
+            <a:avLst/>
+          </a:prstGeom>
+        </p:spPr>
+        <p:style>
+          <a:lnRef idx="2">
+            <a:schemeClr val="accent3">
+              <a:shade val="50000"/>
+            </a:schemeClr>
+          </a:lnRef>
+          <a:fillRef idx="1">
+            <a:schemeClr val="accent3"/>
+          </a:fillRef>
+          <a:effectRef idx="0">
+            <a:schemeClr val="accent3"/>
+          </a:effectRef>
+          <a:fontRef idx="minor">
+            <a:schemeClr val="lt1"/>
+          </a:fontRef>
+        </p:style>
+        <p:txBody>
+          <a:bodyPr rtlCol="0" anchor="ctr"/>
+          <a:lstStyle/>
+          <a:p>
+            <a:pPr algn="ctr"/>
+            <a:r>
+              <a:rPr lang="en-US" dirty="0"/>
+              <a:t>IS D=0</a:t>
+            </a:r>
+          </a:p>
+        </p:txBody>
+      </p:sp>
+      <p:cxnSp>
+        <p:nvCxnSpPr>
+          <p:cNvPr id="37" name="Straight Arrow Connector 36"/>
+          <p:cNvCxnSpPr>
+            <a:stCxn id="36" idx="3"/>
+          </p:cNvCxnSpPr>
+          <p:nvPr/>
+        </p:nvCxnSpPr>
+        <p:spPr>
+          <a:xfrm flipV="1">
+            <a:off x="9850379" y="5051685"/>
+            <a:ext cx="839450" cy="7494"/>
+          </a:xfrm>
+          <a:prstGeom prst="straightConnector1">
+            <a:avLst/>
+          </a:prstGeom>
+          <a:ln>
+            <a:tailEnd type="triangle"/>
+          </a:ln>
+        </p:spPr>
+        <p:style>
+          <a:lnRef idx="1">
+            <a:schemeClr val="dk1"/>
+          </a:lnRef>
+          <a:fillRef idx="0">
+            <a:schemeClr val="dk1"/>
+          </a:fillRef>
+          <a:effectRef idx="0">
+            <a:schemeClr val="dk1"/>
+          </a:effectRef>
+          <a:fontRef idx="minor">
+            <a:schemeClr val="tx1"/>
+          </a:fontRef>
+        </p:style>
+      </p:cxnSp>
+      <p:cxnSp>
+        <p:nvCxnSpPr>
+          <p:cNvPr id="38" name="Straight Arrow Connector 37"/>
+          <p:cNvCxnSpPr/>
+          <p:nvPr/>
+        </p:nvCxnSpPr>
+        <p:spPr>
+          <a:xfrm>
+            <a:off x="10689829" y="5059179"/>
+            <a:ext cx="0" cy="547142"/>
+          </a:xfrm>
+          <a:prstGeom prst="straightConnector1">
+            <a:avLst/>
+          </a:prstGeom>
+          <a:ln>
+            <a:tailEnd type="triangle"/>
+          </a:ln>
+        </p:spPr>
+        <p:style>
+          <a:lnRef idx="1">
+            <a:schemeClr val="dk1"/>
+          </a:lnRef>
+          <a:fillRef idx="0">
+            <a:schemeClr val="dk1"/>
+          </a:fillRef>
+          <a:effectRef idx="0">
+            <a:schemeClr val="dk1"/>
+          </a:effectRef>
+          <a:fontRef idx="minor">
+            <a:schemeClr val="tx1"/>
+          </a:fontRef>
+        </p:style>
+      </p:cxnSp>
+      <p:sp>
+        <p:nvSpPr>
+          <p:cNvPr id="39" name="Flowchart: Display 38"/>
+          <p:cNvSpPr/>
+          <p:nvPr/>
+        </p:nvSpPr>
+        <p:spPr>
+          <a:xfrm>
+            <a:off x="10052747" y="5606321"/>
+            <a:ext cx="1274164" cy="569626"/>
+          </a:xfrm>
+          <a:prstGeom prst="flowChartDisplay">
+            <a:avLst/>
+          </a:prstGeom>
+        </p:spPr>
+        <p:style>
+          <a:lnRef idx="3">
+            <a:schemeClr val="lt1"/>
+          </a:lnRef>
+          <a:fillRef idx="1">
+            <a:schemeClr val="accent4"/>
+          </a:fillRef>
+          <a:effectRef idx="1">
+            <a:schemeClr val="accent4"/>
+          </a:effectRef>
+          <a:fontRef idx="minor">
+            <a:schemeClr val="lt1"/>
+          </a:fontRef>
+        </p:style>
+        <p:txBody>
+          <a:bodyPr rtlCol="0" anchor="ctr"/>
+          <a:lstStyle/>
+          <a:p>
+            <a:pPr algn="ctr"/>
+            <a:r>
+              <a:rPr lang="en-US" dirty="0"/>
+              <a:t>PRINT X1</a:t>
+            </a:r>
+          </a:p>
+        </p:txBody>
+      </p:sp>
+      <p:cxnSp>
+        <p:nvCxnSpPr>
+          <p:cNvPr id="40" name="Straight Arrow Connector 39"/>
+          <p:cNvCxnSpPr>
+            <a:stCxn id="36" idx="1"/>
+          </p:cNvCxnSpPr>
+          <p:nvPr/>
+        </p:nvCxnSpPr>
+        <p:spPr>
+          <a:xfrm flipH="1">
+            <a:off x="6582524" y="5059179"/>
+            <a:ext cx="854439" cy="7494"/>
+          </a:xfrm>
+          <a:prstGeom prst="straightConnector1">
+            <a:avLst/>
+          </a:prstGeom>
+          <a:ln>
+            <a:tailEnd type="triangle"/>
+          </a:ln>
+        </p:spPr>
+        <p:style>
+          <a:lnRef idx="1">
+            <a:schemeClr val="dk1"/>
+          </a:lnRef>
+          <a:fillRef idx="0">
+            <a:schemeClr val="dk1"/>
+          </a:fillRef>
+          <a:effectRef idx="0">
+            <a:schemeClr val="dk1"/>
+          </a:effectRef>
+          <a:fontRef idx="minor">
+            <a:schemeClr val="tx1"/>
+          </a:fontRef>
+        </p:style>
+      </p:cxnSp>
+      <p:cxnSp>
+        <p:nvCxnSpPr>
+          <p:cNvPr id="41" name="Straight Arrow Connector 40"/>
+          <p:cNvCxnSpPr/>
+          <p:nvPr/>
+        </p:nvCxnSpPr>
+        <p:spPr>
+          <a:xfrm>
+            <a:off x="6597514" y="5059179"/>
+            <a:ext cx="0" cy="547142"/>
+          </a:xfrm>
+          <a:prstGeom prst="straightConnector1">
+            <a:avLst/>
+          </a:prstGeom>
+          <a:ln>
+            <a:tailEnd type="triangle"/>
+          </a:ln>
+        </p:spPr>
+        <p:style>
+          <a:lnRef idx="1">
+            <a:schemeClr val="dk1"/>
+          </a:lnRef>
+          <a:fillRef idx="0">
+            <a:schemeClr val="dk1"/>
+          </a:fillRef>
+          <a:effectRef idx="0">
+            <a:schemeClr val="dk1"/>
+          </a:effectRef>
+          <a:fontRef idx="minor">
+            <a:schemeClr val="tx1"/>
+          </a:fontRef>
+        </p:style>
+      </p:cxnSp>
+      <p:sp>
+        <p:nvSpPr>
+          <p:cNvPr id="42" name="Flowchart: Display 41"/>
+          <p:cNvSpPr/>
+          <p:nvPr/>
+        </p:nvSpPr>
+        <p:spPr>
+          <a:xfrm>
+            <a:off x="5877986" y="5606321"/>
+            <a:ext cx="1633928" cy="569626"/>
+          </a:xfrm>
+          <a:prstGeom prst="flowChartDisplay">
+            <a:avLst/>
+          </a:prstGeom>
+        </p:spPr>
+        <p:style>
+          <a:lnRef idx="3">
+            <a:schemeClr val="lt1"/>
+          </a:lnRef>
+          <a:fillRef idx="1">
+            <a:schemeClr val="accent4"/>
+          </a:fillRef>
+          <a:effectRef idx="1">
+            <a:schemeClr val="accent4"/>
+          </a:effectRef>
+          <a:fontRef idx="minor">
+            <a:schemeClr val="lt1"/>
+          </a:fontRef>
+        </p:style>
+        <p:txBody>
+          <a:bodyPr rtlCol="0" anchor="ctr"/>
+          <a:lstStyle/>
+          <a:p>
+            <a:pPr algn="ctr"/>
+            <a:r>
+              <a:rPr lang="en-US" dirty="0"/>
+              <a:t>PRINT X1 &amp; X2</a:t>
+            </a:r>
+          </a:p>
+        </p:txBody>
+      </p:sp>
+      <p:cxnSp>
+        <p:nvCxnSpPr>
+          <p:cNvPr id="43" name="Straight Arrow Connector 42"/>
+          <p:cNvCxnSpPr/>
+          <p:nvPr/>
+        </p:nvCxnSpPr>
+        <p:spPr>
+          <a:xfrm>
+            <a:off x="6672465" y="6175947"/>
+            <a:ext cx="22485" cy="569627"/>
+          </a:xfrm>
+          <a:prstGeom prst="straightConnector1">
+            <a:avLst/>
+          </a:prstGeom>
+          <a:ln>
+            <a:tailEnd type="triangle"/>
+          </a:ln>
+        </p:spPr>
+        <p:style>
+          <a:lnRef idx="1">
+            <a:schemeClr val="dk1"/>
+          </a:lnRef>
+          <a:fillRef idx="0">
+            <a:schemeClr val="dk1"/>
+          </a:fillRef>
+          <a:effectRef idx="0">
+            <a:schemeClr val="dk1"/>
+          </a:effectRef>
+          <a:fontRef idx="minor">
+            <a:schemeClr val="tx1"/>
+          </a:fontRef>
+        </p:style>
+      </p:cxnSp>
+      <p:sp>
+        <p:nvSpPr>
+          <p:cNvPr id="44" name="Flowchart: Terminator 43"/>
+          <p:cNvSpPr/>
+          <p:nvPr/>
+        </p:nvSpPr>
+        <p:spPr>
+          <a:xfrm>
+            <a:off x="8171481" y="6490740"/>
+            <a:ext cx="1409076" cy="367260"/>
+          </a:xfrm>
+          <a:prstGeom prst="flowChartTerminator">
+            <a:avLst/>
+          </a:prstGeom>
+        </p:spPr>
+        <p:style>
+          <a:lnRef idx="2">
+            <a:schemeClr val="accent1">
+              <a:shade val="50000"/>
+            </a:schemeClr>
+          </a:lnRef>
+          <a:fillRef idx="1">
+            <a:schemeClr val="accent1"/>
+          </a:fillRef>
+          <a:effectRef idx="0">
+            <a:schemeClr val="accent1"/>
+          </a:effectRef>
+          <a:fontRef idx="minor">
+            <a:schemeClr val="lt1"/>
+          </a:fontRef>
+        </p:style>
+        <p:txBody>
+          <a:bodyPr rtlCol="0" anchor="ctr"/>
+          <a:lstStyle/>
+          <a:p>
+            <a:pPr algn="ctr"/>
+            <a:r>
+              <a:rPr lang="en-US" dirty="0"/>
+              <a:t>END</a:t>
+            </a:r>
+          </a:p>
+        </p:txBody>
+      </p:sp>
+      <p:cxnSp>
+        <p:nvCxnSpPr>
+          <p:cNvPr id="45" name="Straight Arrow Connector 44"/>
+          <p:cNvCxnSpPr/>
+          <p:nvPr/>
+        </p:nvCxnSpPr>
+        <p:spPr>
+          <a:xfrm>
+            <a:off x="6683707" y="6745574"/>
+            <a:ext cx="1547735" cy="29976"/>
+          </a:xfrm>
+          <a:prstGeom prst="straightConnector1">
+            <a:avLst/>
+          </a:prstGeom>
+          <a:ln>
+            <a:tailEnd type="triangle"/>
+          </a:ln>
+        </p:spPr>
+        <p:style>
+          <a:lnRef idx="1">
+            <a:schemeClr val="dk1"/>
+          </a:lnRef>
+          <a:fillRef idx="0">
+            <a:schemeClr val="dk1"/>
+          </a:fillRef>
+          <a:effectRef idx="0">
+            <a:schemeClr val="dk1"/>
+          </a:effectRef>
+          <a:fontRef idx="minor">
+            <a:schemeClr val="tx1"/>
+          </a:fontRef>
+        </p:style>
+      </p:cxnSp>
+      <p:cxnSp>
+        <p:nvCxnSpPr>
+          <p:cNvPr id="46" name="Straight Arrow Connector 45"/>
+          <p:cNvCxnSpPr>
+            <a:stCxn id="39" idx="2"/>
+          </p:cNvCxnSpPr>
+          <p:nvPr/>
+        </p:nvCxnSpPr>
+        <p:spPr>
+          <a:xfrm>
+            <a:off x="10689829" y="6175947"/>
+            <a:ext cx="0" cy="599603"/>
+          </a:xfrm>
+          <a:prstGeom prst="straightConnector1">
+            <a:avLst/>
+          </a:prstGeom>
+          <a:ln>
+            <a:tailEnd type="triangle"/>
+          </a:ln>
+        </p:spPr>
+        <p:style>
+          <a:lnRef idx="1">
+            <a:schemeClr val="dk1"/>
+          </a:lnRef>
+          <a:fillRef idx="0">
+            <a:schemeClr val="dk1"/>
+          </a:fillRef>
+          <a:effectRef idx="0">
+            <a:schemeClr val="dk1"/>
+          </a:effectRef>
+          <a:fontRef idx="minor">
+            <a:schemeClr val="tx1"/>
+          </a:fontRef>
+        </p:style>
+      </p:cxnSp>
+      <p:cxnSp>
+        <p:nvCxnSpPr>
+          <p:cNvPr id="47" name="Straight Arrow Connector 46"/>
+          <p:cNvCxnSpPr/>
+          <p:nvPr/>
+        </p:nvCxnSpPr>
+        <p:spPr>
+          <a:xfrm flipH="1">
+            <a:off x="9580557" y="6745574"/>
+            <a:ext cx="1109272" cy="29976"/>
+          </a:xfrm>
+          <a:prstGeom prst="straightConnector1">
+            <a:avLst/>
+          </a:prstGeom>
+          <a:ln>
+            <a:tailEnd type="triangle"/>
+          </a:ln>
+        </p:spPr>
+        <p:style>
+          <a:lnRef idx="1">
+            <a:schemeClr val="dk1"/>
+          </a:lnRef>
+          <a:fillRef idx="0">
+            <a:schemeClr val="dk1"/>
+          </a:fillRef>
+          <a:effectRef idx="0">
+            <a:schemeClr val="dk1"/>
+          </a:effectRef>
+          <a:fontRef idx="minor">
+            <a:schemeClr val="tx1"/>
+          </a:fontRef>
+        </p:style>
+      </p:cxnSp>
+      <p:sp>
+        <p:nvSpPr>
+          <p:cNvPr id="48" name="TextBox 47"/>
+          <p:cNvSpPr txBox="1"/>
+          <p:nvPr/>
+        </p:nvSpPr>
+        <p:spPr>
+          <a:xfrm>
+            <a:off x="9850379" y="4689847"/>
+            <a:ext cx="1056807" cy="369332"/>
+          </a:xfrm>
+          <a:prstGeom prst="rect">
+            <a:avLst/>
+          </a:prstGeom>
+          <a:noFill/>
+        </p:spPr>
+        <p:txBody>
+          <a:bodyPr wrap="square" rtlCol="0">
+            <a:spAutoFit/>
+          </a:bodyPr>
+          <a:lstStyle/>
+          <a:p>
+            <a:r>
+              <a:rPr lang="en-US" dirty="0"/>
+              <a:t>TRUE</a:t>
+            </a:r>
+          </a:p>
+        </p:txBody>
+      </p:sp>
+      <p:sp>
+        <p:nvSpPr>
+          <p:cNvPr id="49" name="TextBox 48"/>
+          <p:cNvSpPr txBox="1"/>
+          <p:nvPr/>
+        </p:nvSpPr>
+        <p:spPr>
+          <a:xfrm>
+            <a:off x="6574092" y="4717117"/>
+            <a:ext cx="1088661" cy="369332"/>
+          </a:xfrm>
+          <a:prstGeom prst="rect">
+            <a:avLst/>
+          </a:prstGeom>
+          <a:noFill/>
+        </p:spPr>
+        <p:txBody>
+          <a:bodyPr wrap="square" rtlCol="0">
+            <a:spAutoFit/>
+          </a:bodyPr>
+          <a:lstStyle/>
+          <a:p>
+            <a:r>
+              <a:rPr lang="en-US" dirty="0"/>
+              <a:t>FALSE</a:t>
+            </a:r>
+          </a:p>
+        </p:txBody>
+      </p:sp>
+      <p:sp>
+        <p:nvSpPr>
+          <p:cNvPr id="50" name="Flowchart: Terminator 49"/>
+          <p:cNvSpPr/>
+          <p:nvPr/>
+        </p:nvSpPr>
+        <p:spPr>
+          <a:xfrm>
+            <a:off x="7806949" y="101019"/>
+            <a:ext cx="1658454" cy="337611"/>
+          </a:xfrm>
+          <a:prstGeom prst="flowChartTerminator">
+            <a:avLst/>
+          </a:prstGeom>
+        </p:spPr>
+        <p:style>
+          <a:lnRef idx="2">
+            <a:schemeClr val="accent1">
+              <a:shade val="50000"/>
+            </a:schemeClr>
+          </a:lnRef>
+          <a:fillRef idx="1">
+            <a:schemeClr val="accent1"/>
+          </a:fillRef>
+          <a:effectRef idx="0">
+            <a:schemeClr val="accent1"/>
+          </a:effectRef>
+          <a:fontRef idx="minor">
+            <a:schemeClr val="lt1"/>
+          </a:fontRef>
+        </p:style>
+        <p:txBody>
+          <a:bodyPr rtlCol="0" anchor="ctr"/>
+          <a:lstStyle/>
+          <a:p>
+            <a:pPr algn="ctr"/>
+            <a:r>
+              <a:rPr lang="en-US" dirty="0" smtClean="0"/>
+              <a:t>START</a:t>
+            </a:r>
+            <a:endParaRPr lang="en-US" dirty="0"/>
           </a:p>
         </p:txBody>
       </p:sp>
